--- a/图片.pptx
+++ b/图片.pptx
@@ -18,6 +18,8 @@
     <p:sldId id="266" r:id="rId12"/>
     <p:sldId id="267" r:id="rId13"/>
     <p:sldId id="268" r:id="rId14"/>
+    <p:sldId id="269" r:id="rId15"/>
+    <p:sldId id="270" r:id="rId16"/>
   </p:sldIdLst>
   <p:sldSz cx="12192000" cy="6858000"/>
   <p:notesSz cx="6858000" cy="9144000"/>
@@ -134,9 +136,14 @@
             <p14:sldId id="266"/>
             <p14:sldId id="267"/>
             <p14:sldId id="268"/>
+            <p14:sldId id="269"/>
+            <p14:sldId id="270"/>
           </p14:sldIdLst>
         </p14:section>
       </p14:sectionLst>
+    </p:ext>
+    <p:ext uri="{EFAFB233-063F-42B5-8137-9DF3F51BA10A}">
+      <p15:sldGuideLst xmlns:p15="http://schemas.microsoft.com/office/powerpoint/2012/main"/>
     </p:ext>
   </p:extLst>
 </p:presentation>
@@ -1077,7 +1084,6 @@
             <c:showLeaderLines val="0"/>
             <c:extLst>
               <c:ext xmlns:c15="http://schemas.microsoft.com/office/drawing/2012/chart" uri="{CE6537A1-D6FC-4f65-9D91-7224C49458BB}">
-                <c15:layout/>
                 <c15:showLeaderLines val="1"/>
                 <c15:leaderLines>
                   <c:spPr>
@@ -1189,7 +1195,6 @@
             <c:showLeaderLines val="0"/>
             <c:extLst>
               <c:ext xmlns:c15="http://schemas.microsoft.com/office/drawing/2012/chart" uri="{CE6537A1-D6FC-4f65-9D91-7224C49458BB}">
-                <c15:layout/>
                 <c15:showLeaderLines val="1"/>
                 <c15:leaderLines>
                   <c:spPr>
@@ -1301,7 +1306,6 @@
             <c:showLeaderLines val="0"/>
             <c:extLst>
               <c:ext xmlns:c15="http://schemas.microsoft.com/office/drawing/2012/chart" uri="{CE6537A1-D6FC-4f65-9D91-7224C49458BB}">
-                <c15:layout/>
                 <c15:showLeaderLines val="1"/>
                 <c15:leaderLines>
                   <c:spPr>
@@ -1371,7 +1375,6 @@
         <c:delete val="0"/>
         <c:axPos val="b"/>
         <c:title>
-          <c:layout/>
           <c:overlay val="0"/>
           <c:spPr>
             <a:noFill/>
@@ -1493,7 +1496,6 @@
               </a:p>
             </c:rich>
           </c:tx>
-          <c:layout/>
           <c:overlay val="0"/>
           <c:spPr>
             <a:noFill/>
@@ -1568,7 +1570,6 @@
     </c:plotArea>
     <c:legend>
       <c:legendPos val="b"/>
-      <c:layout/>
       <c:overlay val="0"/>
       <c:spPr>
         <a:noFill/>
@@ -1710,7 +1711,6 @@
             <c:showLeaderLines val="0"/>
             <c:extLst>
               <c:ext xmlns:c15="http://schemas.microsoft.com/office/drawing/2012/chart" uri="{CE6537A1-D6FC-4f65-9D91-7224C49458BB}">
-                <c15:layout/>
                 <c15:showLeaderLines val="1"/>
                 <c15:leaderLines>
                   <c:spPr>
@@ -1822,7 +1822,6 @@
             <c:showLeaderLines val="0"/>
             <c:extLst>
               <c:ext xmlns:c15="http://schemas.microsoft.com/office/drawing/2012/chart" uri="{CE6537A1-D6FC-4f65-9D91-7224C49458BB}">
-                <c15:layout/>
                 <c15:showLeaderLines val="1"/>
                 <c15:leaderLines>
                   <c:spPr>
@@ -1983,7 +1982,6 @@
               </a:p>
             </c:rich>
           </c:tx>
-          <c:layout/>
           <c:overlay val="0"/>
           <c:spPr>
             <a:noFill/>
@@ -2058,7 +2056,6 @@
     </c:plotArea>
     <c:legend>
       <c:legendPos val="b"/>
-      <c:layout/>
       <c:overlay val="0"/>
       <c:spPr>
         <a:noFill/>
@@ -2200,7 +2197,6 @@
             <c:showLeaderLines val="0"/>
             <c:extLst>
               <c:ext xmlns:c15="http://schemas.microsoft.com/office/drawing/2012/chart" uri="{CE6537A1-D6FC-4f65-9D91-7224C49458BB}">
-                <c15:layout/>
                 <c15:showLeaderLines val="1"/>
                 <c15:leaderLines>
                   <c:spPr>
@@ -2312,7 +2308,6 @@
             <c:showLeaderLines val="0"/>
             <c:extLst>
               <c:ext xmlns:c15="http://schemas.microsoft.com/office/drawing/2012/chart" uri="{CE6537A1-D6FC-4f65-9D91-7224C49458BB}">
-                <c15:layout/>
                 <c15:showLeaderLines val="1"/>
                 <c15:leaderLines>
                   <c:spPr>
@@ -2424,7 +2419,6 @@
             <c:showLeaderLines val="0"/>
             <c:extLst>
               <c:ext xmlns:c15="http://schemas.microsoft.com/office/drawing/2012/chart" uri="{CE6537A1-D6FC-4f65-9D91-7224C49458BB}">
-                <c15:layout/>
                 <c15:showLeaderLines val="1"/>
                 <c15:leaderLines>
                   <c:spPr>
@@ -2536,7 +2530,6 @@
             <c:showLeaderLines val="0"/>
             <c:extLst>
               <c:ext xmlns:c15="http://schemas.microsoft.com/office/drawing/2012/chart" uri="{CE6537A1-D6FC-4f65-9D91-7224C49458BB}">
-                <c15:layout/>
                 <c15:showLeaderLines val="1"/>
                 <c15:leaderLines>
                   <c:spPr>
@@ -2648,7 +2641,6 @@
             <c:showLeaderLines val="0"/>
             <c:extLst>
               <c:ext xmlns:c15="http://schemas.microsoft.com/office/drawing/2012/chart" uri="{CE6537A1-D6FC-4f65-9D91-7224C49458BB}">
-                <c15:layout/>
                 <c15:showLeaderLines val="1"/>
                 <c15:leaderLines>
                   <c:spPr>
@@ -2760,7 +2752,6 @@
             <c:showLeaderLines val="0"/>
             <c:extLst>
               <c:ext xmlns:c15="http://schemas.microsoft.com/office/drawing/2012/chart" uri="{CE6537A1-D6FC-4f65-9D91-7224C49458BB}">
-                <c15:layout/>
                 <c15:showLeaderLines val="1"/>
                 <c15:leaderLines>
                   <c:spPr>
@@ -2874,7 +2865,6 @@
             <c:showLeaderLines val="0"/>
             <c:extLst>
               <c:ext xmlns:c15="http://schemas.microsoft.com/office/drawing/2012/chart" uri="{CE6537A1-D6FC-4f65-9D91-7224C49458BB}">
-                <c15:layout/>
                 <c15:showLeaderLines val="1"/>
                 <c15:leaderLines>
                   <c:spPr>
@@ -2988,7 +2978,6 @@
             <c:showLeaderLines val="0"/>
             <c:extLst>
               <c:ext xmlns:c15="http://schemas.microsoft.com/office/drawing/2012/chart" uri="{CE6537A1-D6FC-4f65-9D91-7224C49458BB}">
-                <c15:layout/>
                 <c15:showLeaderLines val="1"/>
                 <c15:leaderLines>
                   <c:spPr>
@@ -3102,7 +3091,6 @@
             <c:showLeaderLines val="0"/>
             <c:extLst>
               <c:ext xmlns:c15="http://schemas.microsoft.com/office/drawing/2012/chart" uri="{CE6537A1-D6FC-4f65-9D91-7224C49458BB}">
-                <c15:layout/>
                 <c15:showLeaderLines val="1"/>
                 <c15:leaderLines>
                   <c:spPr>
@@ -3216,7 +3204,6 @@
             <c:showLeaderLines val="0"/>
             <c:extLst>
               <c:ext xmlns:c15="http://schemas.microsoft.com/office/drawing/2012/chart" uri="{CE6537A1-D6FC-4f65-9D91-7224C49458BB}">
-                <c15:layout/>
                 <c15:showLeaderLines val="1"/>
                 <c15:leaderLines>
                   <c:spPr>
@@ -3330,7 +3317,6 @@
             <c:showLeaderLines val="0"/>
             <c:extLst>
               <c:ext xmlns:c15="http://schemas.microsoft.com/office/drawing/2012/chart" uri="{CE6537A1-D6FC-4f65-9D91-7224C49458BB}">
-                <c15:layout/>
                 <c15:showLeaderLines val="1"/>
                 <c15:leaderLines>
                   <c:spPr>
@@ -3444,7 +3430,6 @@
             <c:showLeaderLines val="0"/>
             <c:extLst>
               <c:ext xmlns:c15="http://schemas.microsoft.com/office/drawing/2012/chart" uri="{CE6537A1-D6FC-4f65-9D91-7224C49458BB}">
-                <c15:layout/>
                 <c15:showLeaderLines val="1"/>
                 <c15:leaderLines>
                   <c:spPr>
@@ -3559,7 +3544,6 @@
             <c:showLeaderLines val="0"/>
             <c:extLst>
               <c:ext xmlns:c15="http://schemas.microsoft.com/office/drawing/2012/chart" uri="{CE6537A1-D6FC-4f65-9D91-7224C49458BB}">
-                <c15:layout/>
                 <c15:showLeaderLines val="1"/>
                 <c15:leaderLines>
                   <c:spPr>
@@ -3674,7 +3658,6 @@
             <c:showLeaderLines val="0"/>
             <c:extLst>
               <c:ext xmlns:c15="http://schemas.microsoft.com/office/drawing/2012/chart" uri="{CE6537A1-D6FC-4f65-9D91-7224C49458BB}">
-                <c15:layout/>
                 <c15:showLeaderLines val="1"/>
                 <c15:leaderLines>
                   <c:spPr>
@@ -3789,7 +3772,6 @@
             <c:showLeaderLines val="0"/>
             <c:extLst>
               <c:ext xmlns:c15="http://schemas.microsoft.com/office/drawing/2012/chart" uri="{CE6537A1-D6FC-4f65-9D91-7224C49458BB}">
-                <c15:layout/>
                 <c15:showLeaderLines val="1"/>
                 <c15:leaderLines>
                   <c:spPr>
@@ -3904,7 +3886,6 @@
             <c:showLeaderLines val="0"/>
             <c:extLst>
               <c:ext xmlns:c15="http://schemas.microsoft.com/office/drawing/2012/chart" uri="{CE6537A1-D6FC-4f65-9D91-7224C49458BB}">
-                <c15:layout/>
                 <c15:showLeaderLines val="1"/>
                 <c15:leaderLines>
                   <c:spPr>
@@ -4019,7 +4000,6 @@
             <c:showLeaderLines val="0"/>
             <c:extLst>
               <c:ext xmlns:c15="http://schemas.microsoft.com/office/drawing/2012/chart" uri="{CE6537A1-D6FC-4f65-9D91-7224C49458BB}">
-                <c15:layout/>
                 <c15:showLeaderLines val="1"/>
                 <c15:leaderLines>
                   <c:spPr>
@@ -4134,7 +4114,6 @@
             <c:showLeaderLines val="0"/>
             <c:extLst>
               <c:ext xmlns:c15="http://schemas.microsoft.com/office/drawing/2012/chart" uri="{CE6537A1-D6FC-4f65-9D91-7224C49458BB}">
-                <c15:layout/>
                 <c15:showLeaderLines val="1"/>
                 <c15:leaderLines>
                   <c:spPr>
@@ -4248,7 +4227,6 @@
             <c:showLeaderLines val="0"/>
             <c:extLst>
               <c:ext xmlns:c15="http://schemas.microsoft.com/office/drawing/2012/chart" uri="{CE6537A1-D6FC-4f65-9D91-7224C49458BB}">
-                <c15:layout/>
                 <c15:showLeaderLines val="1"/>
                 <c15:leaderLines>
                   <c:spPr>
@@ -4362,7 +4340,6 @@
             <c:showLeaderLines val="0"/>
             <c:extLst>
               <c:ext xmlns:c15="http://schemas.microsoft.com/office/drawing/2012/chart" uri="{CE6537A1-D6FC-4f65-9D91-7224C49458BB}">
-                <c15:layout/>
                 <c15:showLeaderLines val="1"/>
                 <c15:leaderLines>
                   <c:spPr>
@@ -4476,7 +4453,6 @@
             <c:showLeaderLines val="0"/>
             <c:extLst>
               <c:ext xmlns:c15="http://schemas.microsoft.com/office/drawing/2012/chart" uri="{CE6537A1-D6FC-4f65-9D91-7224C49458BB}">
-                <c15:layout/>
                 <c15:showLeaderLines val="1"/>
                 <c15:leaderLines>
                   <c:spPr>
@@ -4590,7 +4566,6 @@
             <c:showLeaderLines val="0"/>
             <c:extLst>
               <c:ext xmlns:c15="http://schemas.microsoft.com/office/drawing/2012/chart" uri="{CE6537A1-D6FC-4f65-9D91-7224C49458BB}">
-                <c15:layout/>
                 <c15:showLeaderLines val="1"/>
                 <c15:leaderLines>
                   <c:spPr>
@@ -4704,7 +4679,6 @@
             <c:showLeaderLines val="0"/>
             <c:extLst>
               <c:ext xmlns:c15="http://schemas.microsoft.com/office/drawing/2012/chart" uri="{CE6537A1-D6FC-4f65-9D91-7224C49458BB}">
-                <c15:layout/>
                 <c15:showLeaderLines val="1"/>
                 <c15:leaderLines>
                   <c:spPr>
@@ -4818,7 +4792,6 @@
             <c:showLeaderLines val="0"/>
             <c:extLst>
               <c:ext xmlns:c15="http://schemas.microsoft.com/office/drawing/2012/chart" uri="{CE6537A1-D6FC-4f65-9D91-7224C49458BB}">
-                <c15:layout/>
                 <c15:showLeaderLines val="1"/>
                 <c15:leaderLines>
                   <c:spPr>
@@ -4933,7 +4906,6 @@
             <c:showLeaderLines val="0"/>
             <c:extLst>
               <c:ext xmlns:c15="http://schemas.microsoft.com/office/drawing/2012/chart" uri="{CE6537A1-D6FC-4f65-9D91-7224C49458BB}">
-                <c15:layout/>
                 <c15:showLeaderLines val="1"/>
                 <c15:leaderLines>
                   <c:spPr>
@@ -5048,7 +5020,6 @@
             <c:showLeaderLines val="0"/>
             <c:extLst>
               <c:ext xmlns:c15="http://schemas.microsoft.com/office/drawing/2012/chart" uri="{CE6537A1-D6FC-4f65-9D91-7224C49458BB}">
-                <c15:layout/>
                 <c15:showLeaderLines val="1"/>
                 <c15:leaderLines>
                   <c:spPr>
@@ -5163,7 +5134,6 @@
             <c:showLeaderLines val="0"/>
             <c:extLst>
               <c:ext xmlns:c15="http://schemas.microsoft.com/office/drawing/2012/chart" uri="{CE6537A1-D6FC-4f65-9D91-7224C49458BB}">
-                <c15:layout/>
                 <c15:showLeaderLines val="1"/>
                 <c15:leaderLines>
                   <c:spPr>
@@ -5278,7 +5248,6 @@
             <c:showLeaderLines val="0"/>
             <c:extLst>
               <c:ext xmlns:c15="http://schemas.microsoft.com/office/drawing/2012/chart" uri="{CE6537A1-D6FC-4f65-9D91-7224C49458BB}">
-                <c15:layout/>
                 <c15:showLeaderLines val="1"/>
                 <c15:leaderLines>
                   <c:spPr>
@@ -5439,7 +5408,6 @@
               </a:p>
             </c:rich>
           </c:tx>
-          <c:layout/>
           <c:overlay val="0"/>
           <c:spPr>
             <a:noFill/>
@@ -5514,7 +5482,6 @@
     </c:plotArea>
     <c:legend>
       <c:legendPos val="b"/>
-      <c:layout/>
       <c:overlay val="0"/>
       <c:spPr>
         <a:noFill/>
@@ -7874,7 +7841,7 @@
           <a:p>
             <a:fld id="{0342426B-3BE1-4A40-9285-BB830E77C935}" type="datetimeFigureOut">
               <a:rPr lang="zh-CN" altLang="en-US" smtClean="0"/>
-              <a:t>2016/12/3</a:t>
+              <a:t>2016/12/4</a:t>
             </a:fld>
             <a:endParaRPr lang="zh-CN" altLang="en-US"/>
           </a:p>
@@ -8044,7 +8011,7 @@
           <a:p>
             <a:fld id="{0342426B-3BE1-4A40-9285-BB830E77C935}" type="datetimeFigureOut">
               <a:rPr lang="zh-CN" altLang="en-US" smtClean="0"/>
-              <a:t>2016/12/3</a:t>
+              <a:t>2016/12/4</a:t>
             </a:fld>
             <a:endParaRPr lang="zh-CN" altLang="en-US"/>
           </a:p>
@@ -8224,7 +8191,7 @@
           <a:p>
             <a:fld id="{0342426B-3BE1-4A40-9285-BB830E77C935}" type="datetimeFigureOut">
               <a:rPr lang="zh-CN" altLang="en-US" smtClean="0"/>
-              <a:t>2016/12/3</a:t>
+              <a:t>2016/12/4</a:t>
             </a:fld>
             <a:endParaRPr lang="zh-CN" altLang="en-US"/>
           </a:p>
@@ -8394,7 +8361,7 @@
           <a:p>
             <a:fld id="{0342426B-3BE1-4A40-9285-BB830E77C935}" type="datetimeFigureOut">
               <a:rPr lang="zh-CN" altLang="en-US" smtClean="0"/>
-              <a:t>2016/12/3</a:t>
+              <a:t>2016/12/4</a:t>
             </a:fld>
             <a:endParaRPr lang="zh-CN" altLang="en-US"/>
           </a:p>
@@ -8640,7 +8607,7 @@
           <a:p>
             <a:fld id="{0342426B-3BE1-4A40-9285-BB830E77C935}" type="datetimeFigureOut">
               <a:rPr lang="zh-CN" altLang="en-US" smtClean="0"/>
-              <a:t>2016/12/3</a:t>
+              <a:t>2016/12/4</a:t>
             </a:fld>
             <a:endParaRPr lang="zh-CN" altLang="en-US"/>
           </a:p>
@@ -8872,7 +8839,7 @@
           <a:p>
             <a:fld id="{0342426B-3BE1-4A40-9285-BB830E77C935}" type="datetimeFigureOut">
               <a:rPr lang="zh-CN" altLang="en-US" smtClean="0"/>
-              <a:t>2016/12/3</a:t>
+              <a:t>2016/12/4</a:t>
             </a:fld>
             <a:endParaRPr lang="zh-CN" altLang="en-US"/>
           </a:p>
@@ -9239,7 +9206,7 @@
           <a:p>
             <a:fld id="{0342426B-3BE1-4A40-9285-BB830E77C935}" type="datetimeFigureOut">
               <a:rPr lang="zh-CN" altLang="en-US" smtClean="0"/>
-              <a:t>2016/12/3</a:t>
+              <a:t>2016/12/4</a:t>
             </a:fld>
             <a:endParaRPr lang="zh-CN" altLang="en-US"/>
           </a:p>
@@ -9357,7 +9324,7 @@
           <a:p>
             <a:fld id="{0342426B-3BE1-4A40-9285-BB830E77C935}" type="datetimeFigureOut">
               <a:rPr lang="zh-CN" altLang="en-US" smtClean="0"/>
-              <a:t>2016/12/3</a:t>
+              <a:t>2016/12/4</a:t>
             </a:fld>
             <a:endParaRPr lang="zh-CN" altLang="en-US"/>
           </a:p>
@@ -9452,7 +9419,7 @@
           <a:p>
             <a:fld id="{0342426B-3BE1-4A40-9285-BB830E77C935}" type="datetimeFigureOut">
               <a:rPr lang="zh-CN" altLang="en-US" smtClean="0"/>
-              <a:t>2016/12/3</a:t>
+              <a:t>2016/12/4</a:t>
             </a:fld>
             <a:endParaRPr lang="zh-CN" altLang="en-US"/>
           </a:p>
@@ -9729,7 +9696,7 @@
           <a:p>
             <a:fld id="{0342426B-3BE1-4A40-9285-BB830E77C935}" type="datetimeFigureOut">
               <a:rPr lang="zh-CN" altLang="en-US" smtClean="0"/>
-              <a:t>2016/12/3</a:t>
+              <a:t>2016/12/4</a:t>
             </a:fld>
             <a:endParaRPr lang="zh-CN" altLang="en-US"/>
           </a:p>
@@ -9982,7 +9949,7 @@
           <a:p>
             <a:fld id="{0342426B-3BE1-4A40-9285-BB830E77C935}" type="datetimeFigureOut">
               <a:rPr lang="zh-CN" altLang="en-US" smtClean="0"/>
-              <a:t>2016/12/3</a:t>
+              <a:t>2016/12/4</a:t>
             </a:fld>
             <a:endParaRPr lang="zh-CN" altLang="en-US"/>
           </a:p>
@@ -10195,7 +10162,7 @@
           <a:p>
             <a:fld id="{0342426B-3BE1-4A40-9285-BB830E77C935}" type="datetimeFigureOut">
               <a:rPr lang="zh-CN" altLang="en-US" smtClean="0"/>
-              <a:t>2016/12/3</a:t>
+              <a:t>2016/12/4</a:t>
             </a:fld>
             <a:endParaRPr lang="zh-CN" altLang="en-US"/>
           </a:p>
@@ -16420,8 +16387,8 @@
             </a:p>
           </p:txBody>
         </p:sp>
-        <mc:AlternateContent xmlns:mc="http://schemas.openxmlformats.org/markup-compatibility/2006">
-          <mc:Choice xmlns:a14="http://schemas.microsoft.com/office/drawing/2010/main" Requires="a14">
+        <mc:AlternateContent xmlns:mc="http://schemas.openxmlformats.org/markup-compatibility/2006" xmlns:a14="http://schemas.microsoft.com/office/drawing/2010/main">
+          <mc:Choice Requires="a14">
             <p:sp>
               <p:nvSpPr>
                 <p:cNvPr id="22" name="矩形 21"/>
@@ -16443,6 +16410,7 @@
                 </a:bodyPr>
                 <a:lstStyle/>
                 <a:p>
+                  <a:pPr/>
                   <a14:m>
                     <m:oMathPara xmlns:m="http://schemas.openxmlformats.org/officeDocument/2006/math">
                       <m:oMathParaPr>
@@ -16456,7 +16424,7 @@
                             <m:subHide m:val="on"/>
                             <m:supHide m:val="on"/>
                             <m:ctrlPr>
-                              <a:rPr lang="zh-CN" altLang="en-US" smtClean="0">
+                              <a:rPr lang="zh-CN" altLang="en-US" i="1" smtClean="0">
                                 <a:latin typeface="Cambria Math" panose="02040503050406030204" pitchFamily="18" charset="0"/>
                               </a:rPr>
                             </m:ctrlPr>
@@ -16480,7 +16448,7 @@
               </p:txBody>
             </p:sp>
           </mc:Choice>
-          <mc:Fallback>
+          <mc:Fallback xmlns="">
             <p:sp>
               <p:nvSpPr>
                 <p:cNvPr id="22" name="矩形 21"/>
@@ -16872,6 +16840,2896 @@
     <p:extLst>
       <p:ext uri="{BB962C8B-B14F-4D97-AF65-F5344CB8AC3E}">
         <p14:creationId xmlns:p14="http://schemas.microsoft.com/office/powerpoint/2010/main" val="1888359696"/>
+      </p:ext>
+    </p:extLst>
+  </p:cSld>
+  <p:clrMapOvr>
+    <a:masterClrMapping/>
+  </p:clrMapOvr>
+</p:sld>
+</file>
+
+<file path=ppt/slides/slide14.xml><?xml version="1.0" encoding="utf-8"?>
+<p:sld xmlns:a="http://schemas.openxmlformats.org/drawingml/2006/main" xmlns:r="http://schemas.openxmlformats.org/officeDocument/2006/relationships" xmlns:p="http://schemas.openxmlformats.org/presentationml/2006/main">
+  <p:cSld>
+    <p:spTree>
+      <p:nvGrpSpPr>
+        <p:cNvPr id="1" name=""/>
+        <p:cNvGrpSpPr/>
+        <p:nvPr/>
+      </p:nvGrpSpPr>
+      <p:grpSpPr>
+        <a:xfrm>
+          <a:off x="0" y="0"/>
+          <a:ext cx="0" cy="0"/>
+          <a:chOff x="0" y="0"/>
+          <a:chExt cx="0" cy="0"/>
+        </a:xfrm>
+      </p:grpSpPr>
+      <p:grpSp>
+        <p:nvGrpSpPr>
+          <p:cNvPr id="105" name="组合 104"/>
+          <p:cNvGrpSpPr/>
+          <p:nvPr/>
+        </p:nvGrpSpPr>
+        <p:grpSpPr>
+          <a:xfrm>
+            <a:off x="138895" y="370390"/>
+            <a:ext cx="11251558" cy="4040433"/>
+            <a:chOff x="138895" y="370390"/>
+            <a:chExt cx="11251558" cy="4040433"/>
+          </a:xfrm>
+        </p:grpSpPr>
+        <p:sp>
+          <p:nvSpPr>
+            <p:cNvPr id="6" name="矩形 5"/>
+            <p:cNvSpPr/>
+            <p:nvPr/>
+          </p:nvSpPr>
+          <p:spPr>
+            <a:xfrm>
+              <a:off x="1967697" y="2737413"/>
+              <a:ext cx="9194162" cy="590308"/>
+            </a:xfrm>
+            <a:prstGeom prst="rect">
+              <a:avLst/>
+            </a:prstGeom>
+          </p:spPr>
+          <p:style>
+            <a:lnRef idx="2">
+              <a:schemeClr val="dk1"/>
+            </a:lnRef>
+            <a:fillRef idx="1">
+              <a:schemeClr val="lt1"/>
+            </a:fillRef>
+            <a:effectRef idx="0">
+              <a:schemeClr val="dk1"/>
+            </a:effectRef>
+            <a:fontRef idx="minor">
+              <a:schemeClr val="dk1"/>
+            </a:fontRef>
+          </p:style>
+          <p:txBody>
+            <a:bodyPr rtlCol="0" anchor="ctr"/>
+            <a:lstStyle/>
+            <a:p>
+              <a:pPr algn="ctr"/>
+              <a:endParaRPr lang="zh-CN" altLang="en-US"/>
+            </a:p>
+          </p:txBody>
+        </p:sp>
+        <p:sp>
+          <p:nvSpPr>
+            <p:cNvPr id="7" name="文本框 6"/>
+            <p:cNvSpPr txBox="1"/>
+            <p:nvPr/>
+          </p:nvSpPr>
+          <p:spPr>
+            <a:xfrm>
+              <a:off x="231492" y="2847901"/>
+              <a:ext cx="1412112" cy="369332"/>
+            </a:xfrm>
+            <a:prstGeom prst="rect">
+              <a:avLst/>
+            </a:prstGeom>
+            <a:noFill/>
+          </p:spPr>
+          <p:txBody>
+            <a:bodyPr wrap="square" rtlCol="0">
+              <a:spAutoFit/>
+            </a:bodyPr>
+            <a:lstStyle/>
+            <a:p>
+              <a:r>
+                <a:rPr lang="zh-CN" altLang="en-US" dirty="0" smtClean="0"/>
+                <a:t>语义向量</a:t>
+              </a:r>
+              <a:endParaRPr lang="zh-CN" altLang="en-US" dirty="0"/>
+            </a:p>
+          </p:txBody>
+        </p:sp>
+        <p:sp>
+          <p:nvSpPr>
+            <p:cNvPr id="8" name="文本框 7"/>
+            <p:cNvSpPr txBox="1"/>
+            <p:nvPr/>
+          </p:nvSpPr>
+          <p:spPr>
+            <a:xfrm>
+              <a:off x="138895" y="370390"/>
+              <a:ext cx="1597307" cy="646331"/>
+            </a:xfrm>
+            <a:prstGeom prst="rect">
+              <a:avLst/>
+            </a:prstGeom>
+            <a:noFill/>
+          </p:spPr>
+          <p:txBody>
+            <a:bodyPr wrap="square" rtlCol="0">
+              <a:spAutoFit/>
+            </a:bodyPr>
+            <a:lstStyle/>
+            <a:p>
+              <a:pPr algn="ctr"/>
+              <a:r>
+                <a:rPr lang="zh-CN" altLang="en-US" dirty="0" smtClean="0"/>
+                <a:t>用户每天语义轨迹集合</a:t>
+              </a:r>
+              <a:endParaRPr lang="zh-CN" altLang="en-US" dirty="0"/>
+            </a:p>
+          </p:txBody>
+        </p:sp>
+        <p:sp>
+          <p:nvSpPr>
+            <p:cNvPr id="9" name="文本框 8"/>
+            <p:cNvSpPr txBox="1"/>
+            <p:nvPr/>
+          </p:nvSpPr>
+          <p:spPr>
+            <a:xfrm>
+              <a:off x="2233913" y="428793"/>
+              <a:ext cx="868101" cy="369332"/>
+            </a:xfrm>
+            <a:prstGeom prst="rect">
+              <a:avLst/>
+            </a:prstGeom>
+            <a:noFill/>
+          </p:spPr>
+          <p:txBody>
+            <a:bodyPr wrap="square" rtlCol="0">
+              <a:spAutoFit/>
+            </a:bodyPr>
+            <a:lstStyle/>
+            <a:p>
+              <a:r>
+                <a:rPr lang="en-US" altLang="zh-CN" dirty="0" smtClean="0"/>
+                <a:t>Loc_1</a:t>
+              </a:r>
+              <a:endParaRPr lang="zh-CN" altLang="en-US" dirty="0"/>
+            </a:p>
+          </p:txBody>
+        </p:sp>
+        <p:sp>
+          <p:nvSpPr>
+            <p:cNvPr id="10" name="文本框 9"/>
+            <p:cNvSpPr txBox="1"/>
+            <p:nvPr/>
+          </p:nvSpPr>
+          <p:spPr>
+            <a:xfrm>
+              <a:off x="3682677" y="428793"/>
+              <a:ext cx="1942618" cy="369332"/>
+            </a:xfrm>
+            <a:prstGeom prst="rect">
+              <a:avLst/>
+            </a:prstGeom>
+            <a:noFill/>
+          </p:spPr>
+          <p:txBody>
+            <a:bodyPr wrap="square" rtlCol="0">
+              <a:spAutoFit/>
+            </a:bodyPr>
+            <a:lstStyle/>
+            <a:p>
+              <a:r>
+                <a:rPr lang="en-US" altLang="zh-CN" dirty="0" smtClean="0"/>
+                <a:t>Loc_2 …</a:t>
+              </a:r>
+              <a:r>
+                <a:rPr lang="en-US" altLang="zh-CN" dirty="0" err="1" smtClean="0"/>
+                <a:t>Loc_i</a:t>
+              </a:r>
+              <a:endParaRPr lang="zh-CN" altLang="en-US" dirty="0"/>
+            </a:p>
+          </p:txBody>
+        </p:sp>
+        <p:sp>
+          <p:nvSpPr>
+            <p:cNvPr id="11" name="文本框 10"/>
+            <p:cNvSpPr txBox="1"/>
+            <p:nvPr/>
+          </p:nvSpPr>
+          <p:spPr>
+            <a:xfrm>
+              <a:off x="5959034" y="428793"/>
+              <a:ext cx="1062942" cy="369332"/>
+            </a:xfrm>
+            <a:prstGeom prst="rect">
+              <a:avLst/>
+            </a:prstGeom>
+            <a:noFill/>
+          </p:spPr>
+          <p:txBody>
+            <a:bodyPr wrap="square" rtlCol="0">
+              <a:spAutoFit/>
+            </a:bodyPr>
+            <a:lstStyle/>
+            <a:p>
+              <a:r>
+                <a:rPr lang="en-US" altLang="zh-CN" dirty="0" smtClean="0"/>
+                <a:t>Loc_i+1</a:t>
+              </a:r>
+              <a:endParaRPr lang="zh-CN" altLang="en-US" dirty="0"/>
+            </a:p>
+          </p:txBody>
+        </p:sp>
+        <p:sp>
+          <p:nvSpPr>
+            <p:cNvPr id="12" name="文本框 11"/>
+            <p:cNvSpPr txBox="1"/>
+            <p:nvPr/>
+          </p:nvSpPr>
+          <p:spPr>
+            <a:xfrm>
+              <a:off x="7402011" y="451414"/>
+              <a:ext cx="1006997" cy="369332"/>
+            </a:xfrm>
+            <a:prstGeom prst="rect">
+              <a:avLst/>
+            </a:prstGeom>
+            <a:noFill/>
+          </p:spPr>
+          <p:txBody>
+            <a:bodyPr wrap="square" rtlCol="0">
+              <a:spAutoFit/>
+            </a:bodyPr>
+            <a:lstStyle/>
+            <a:p>
+              <a:r>
+                <a:rPr lang="en-US" altLang="zh-CN" b="1" dirty="0" smtClean="0"/>
+                <a:t>……</a:t>
+              </a:r>
+              <a:endParaRPr lang="zh-CN" altLang="en-US" b="1" dirty="0"/>
+            </a:p>
+          </p:txBody>
+        </p:sp>
+        <p:sp>
+          <p:nvSpPr>
+            <p:cNvPr id="13" name="文本框 12"/>
+            <p:cNvSpPr txBox="1"/>
+            <p:nvPr/>
+          </p:nvSpPr>
+          <p:spPr>
+            <a:xfrm>
+              <a:off x="8409008" y="439550"/>
+              <a:ext cx="1062942" cy="369332"/>
+            </a:xfrm>
+            <a:prstGeom prst="rect">
+              <a:avLst/>
+            </a:prstGeom>
+            <a:noFill/>
+          </p:spPr>
+          <p:txBody>
+            <a:bodyPr wrap="square" rtlCol="0">
+              <a:spAutoFit/>
+            </a:bodyPr>
+            <a:lstStyle/>
+            <a:p>
+              <a:r>
+                <a:rPr lang="en-US" altLang="zh-CN" dirty="0" smtClean="0"/>
+                <a:t>Loc_n-1</a:t>
+              </a:r>
+              <a:endParaRPr lang="zh-CN" altLang="en-US" dirty="0"/>
+            </a:p>
+          </p:txBody>
+        </p:sp>
+        <p:sp>
+          <p:nvSpPr>
+            <p:cNvPr id="14" name="文本框 13"/>
+            <p:cNvSpPr txBox="1"/>
+            <p:nvPr/>
+          </p:nvSpPr>
+          <p:spPr>
+            <a:xfrm>
+              <a:off x="10327511" y="432652"/>
+              <a:ext cx="1062942" cy="369332"/>
+            </a:xfrm>
+            <a:prstGeom prst="rect">
+              <a:avLst/>
+            </a:prstGeom>
+            <a:noFill/>
+          </p:spPr>
+          <p:txBody>
+            <a:bodyPr wrap="square" rtlCol="0">
+              <a:spAutoFit/>
+            </a:bodyPr>
+            <a:lstStyle/>
+            <a:p>
+              <a:r>
+                <a:rPr lang="en-US" altLang="zh-CN" dirty="0" err="1" smtClean="0"/>
+                <a:t>Loc_n</a:t>
+              </a:r>
+              <a:endParaRPr lang="zh-CN" altLang="en-US" dirty="0"/>
+            </a:p>
+          </p:txBody>
+        </p:sp>
+        <p:cxnSp>
+          <p:nvCxnSpPr>
+            <p:cNvPr id="16" name="直接连接符 15"/>
+            <p:cNvCxnSpPr/>
+            <p:nvPr/>
+          </p:nvCxnSpPr>
+          <p:spPr>
+            <a:xfrm>
+              <a:off x="2233913" y="1180618"/>
+              <a:ext cx="0" cy="474562"/>
+            </a:xfrm>
+            <a:prstGeom prst="line">
+              <a:avLst/>
+            </a:prstGeom>
+          </p:spPr>
+          <p:style>
+            <a:lnRef idx="1">
+              <a:schemeClr val="dk1"/>
+            </a:lnRef>
+            <a:fillRef idx="0">
+              <a:schemeClr val="dk1"/>
+            </a:fillRef>
+            <a:effectRef idx="0">
+              <a:schemeClr val="dk1"/>
+            </a:effectRef>
+            <a:fontRef idx="minor">
+              <a:schemeClr val="tx1"/>
+            </a:fontRef>
+          </p:style>
+        </p:cxnSp>
+        <p:cxnSp>
+          <p:nvCxnSpPr>
+            <p:cNvPr id="18" name="直接连接符 17"/>
+            <p:cNvCxnSpPr/>
+            <p:nvPr/>
+          </p:nvCxnSpPr>
+          <p:spPr>
+            <a:xfrm>
+              <a:off x="2872450" y="1180618"/>
+              <a:ext cx="0" cy="474562"/>
+            </a:xfrm>
+            <a:prstGeom prst="line">
+              <a:avLst/>
+            </a:prstGeom>
+          </p:spPr>
+          <p:style>
+            <a:lnRef idx="1">
+              <a:schemeClr val="dk1"/>
+            </a:lnRef>
+            <a:fillRef idx="0">
+              <a:schemeClr val="dk1"/>
+            </a:fillRef>
+            <a:effectRef idx="0">
+              <a:schemeClr val="dk1"/>
+            </a:effectRef>
+            <a:fontRef idx="minor">
+              <a:schemeClr val="tx1"/>
+            </a:fontRef>
+          </p:style>
+        </p:cxnSp>
+        <p:cxnSp>
+          <p:nvCxnSpPr>
+            <p:cNvPr id="19" name="直接连接符 18"/>
+            <p:cNvCxnSpPr/>
+            <p:nvPr/>
+          </p:nvCxnSpPr>
+          <p:spPr>
+            <a:xfrm>
+              <a:off x="3520632" y="1180618"/>
+              <a:ext cx="0" cy="474562"/>
+            </a:xfrm>
+            <a:prstGeom prst="line">
+              <a:avLst/>
+            </a:prstGeom>
+          </p:spPr>
+          <p:style>
+            <a:lnRef idx="1">
+              <a:schemeClr val="dk1"/>
+            </a:lnRef>
+            <a:fillRef idx="0">
+              <a:schemeClr val="dk1"/>
+            </a:fillRef>
+            <a:effectRef idx="0">
+              <a:schemeClr val="dk1"/>
+            </a:effectRef>
+            <a:fontRef idx="minor">
+              <a:schemeClr val="tx1"/>
+            </a:fontRef>
+          </p:style>
+        </p:cxnSp>
+        <p:cxnSp>
+          <p:nvCxnSpPr>
+            <p:cNvPr id="20" name="直接连接符 19"/>
+            <p:cNvCxnSpPr/>
+            <p:nvPr/>
+          </p:nvCxnSpPr>
+          <p:spPr>
+            <a:xfrm>
+              <a:off x="6196312" y="1180618"/>
+              <a:ext cx="0" cy="474562"/>
+            </a:xfrm>
+            <a:prstGeom prst="line">
+              <a:avLst/>
+            </a:prstGeom>
+          </p:spPr>
+          <p:style>
+            <a:lnRef idx="1">
+              <a:schemeClr val="dk1"/>
+            </a:lnRef>
+            <a:fillRef idx="0">
+              <a:schemeClr val="dk1"/>
+            </a:fillRef>
+            <a:effectRef idx="0">
+              <a:schemeClr val="dk1"/>
+            </a:effectRef>
+            <a:fontRef idx="minor">
+              <a:schemeClr val="tx1"/>
+            </a:fontRef>
+          </p:style>
+        </p:cxnSp>
+        <p:cxnSp>
+          <p:nvCxnSpPr>
+            <p:cNvPr id="21" name="直接连接符 20"/>
+            <p:cNvCxnSpPr/>
+            <p:nvPr/>
+          </p:nvCxnSpPr>
+          <p:spPr>
+            <a:xfrm>
+              <a:off x="4653023" y="1180618"/>
+              <a:ext cx="0" cy="474562"/>
+            </a:xfrm>
+            <a:prstGeom prst="line">
+              <a:avLst/>
+            </a:prstGeom>
+          </p:spPr>
+          <p:style>
+            <a:lnRef idx="1">
+              <a:schemeClr val="dk1"/>
+            </a:lnRef>
+            <a:fillRef idx="0">
+              <a:schemeClr val="dk1"/>
+            </a:fillRef>
+            <a:effectRef idx="0">
+              <a:schemeClr val="dk1"/>
+            </a:effectRef>
+            <a:fontRef idx="minor">
+              <a:schemeClr val="tx1"/>
+            </a:fontRef>
+          </p:style>
+        </p:cxnSp>
+        <p:cxnSp>
+          <p:nvCxnSpPr>
+            <p:cNvPr id="22" name="直接连接符 21"/>
+            <p:cNvCxnSpPr/>
+            <p:nvPr/>
+          </p:nvCxnSpPr>
+          <p:spPr>
+            <a:xfrm>
+              <a:off x="6728750" y="1180618"/>
+              <a:ext cx="0" cy="474562"/>
+            </a:xfrm>
+            <a:prstGeom prst="line">
+              <a:avLst/>
+            </a:prstGeom>
+          </p:spPr>
+          <p:style>
+            <a:lnRef idx="1">
+              <a:schemeClr val="dk1"/>
+            </a:lnRef>
+            <a:fillRef idx="0">
+              <a:schemeClr val="dk1"/>
+            </a:fillRef>
+            <a:effectRef idx="0">
+              <a:schemeClr val="dk1"/>
+            </a:effectRef>
+            <a:fontRef idx="minor">
+              <a:schemeClr val="tx1"/>
+            </a:fontRef>
+          </p:style>
+        </p:cxnSp>
+        <p:cxnSp>
+          <p:nvCxnSpPr>
+            <p:cNvPr id="23" name="直接连接符 22"/>
+            <p:cNvCxnSpPr/>
+            <p:nvPr/>
+          </p:nvCxnSpPr>
+          <p:spPr>
+            <a:xfrm>
+              <a:off x="8316410" y="1180618"/>
+              <a:ext cx="0" cy="474562"/>
+            </a:xfrm>
+            <a:prstGeom prst="line">
+              <a:avLst/>
+            </a:prstGeom>
+          </p:spPr>
+          <p:style>
+            <a:lnRef idx="1">
+              <a:schemeClr val="dk1"/>
+            </a:lnRef>
+            <a:fillRef idx="0">
+              <a:schemeClr val="dk1"/>
+            </a:fillRef>
+            <a:effectRef idx="0">
+              <a:schemeClr val="dk1"/>
+            </a:effectRef>
+            <a:fontRef idx="minor">
+              <a:schemeClr val="tx1"/>
+            </a:fontRef>
+          </p:style>
+        </p:cxnSp>
+        <p:cxnSp>
+          <p:nvCxnSpPr>
+            <p:cNvPr id="24" name="直接连接符 23"/>
+            <p:cNvCxnSpPr/>
+            <p:nvPr/>
+          </p:nvCxnSpPr>
+          <p:spPr>
+            <a:xfrm>
+              <a:off x="7751180" y="1180618"/>
+              <a:ext cx="0" cy="474562"/>
+            </a:xfrm>
+            <a:prstGeom prst="line">
+              <a:avLst/>
+            </a:prstGeom>
+          </p:spPr>
+          <p:style>
+            <a:lnRef idx="1">
+              <a:schemeClr val="dk1"/>
+            </a:lnRef>
+            <a:fillRef idx="0">
+              <a:schemeClr val="dk1"/>
+            </a:fillRef>
+            <a:effectRef idx="0">
+              <a:schemeClr val="dk1"/>
+            </a:effectRef>
+            <a:fontRef idx="minor">
+              <a:schemeClr val="tx1"/>
+            </a:fontRef>
+          </p:style>
+        </p:cxnSp>
+        <p:cxnSp>
+          <p:nvCxnSpPr>
+            <p:cNvPr id="25" name="直接连接符 24"/>
+            <p:cNvCxnSpPr/>
+            <p:nvPr/>
+          </p:nvCxnSpPr>
+          <p:spPr>
+            <a:xfrm>
+              <a:off x="11026816" y="1180618"/>
+              <a:ext cx="0" cy="474562"/>
+            </a:xfrm>
+            <a:prstGeom prst="line">
+              <a:avLst/>
+            </a:prstGeom>
+          </p:spPr>
+          <p:style>
+            <a:lnRef idx="1">
+              <a:schemeClr val="dk1"/>
+            </a:lnRef>
+            <a:fillRef idx="0">
+              <a:schemeClr val="dk1"/>
+            </a:fillRef>
+            <a:effectRef idx="0">
+              <a:schemeClr val="dk1"/>
+            </a:effectRef>
+            <a:fontRef idx="minor">
+              <a:schemeClr val="tx1"/>
+            </a:fontRef>
+          </p:style>
+        </p:cxnSp>
+        <p:cxnSp>
+          <p:nvCxnSpPr>
+            <p:cNvPr id="28" name="直接箭头连接符 27"/>
+            <p:cNvCxnSpPr/>
+            <p:nvPr/>
+          </p:nvCxnSpPr>
+          <p:spPr>
+            <a:xfrm>
+              <a:off x="2233913" y="1402556"/>
+              <a:ext cx="638537" cy="0"/>
+            </a:xfrm>
+            <a:prstGeom prst="straightConnector1">
+              <a:avLst/>
+            </a:prstGeom>
+            <a:ln>
+              <a:prstDash val="sysDash"/>
+              <a:headEnd type="triangle"/>
+              <a:tailEnd type="triangle"/>
+            </a:ln>
+          </p:spPr>
+          <p:style>
+            <a:lnRef idx="1">
+              <a:schemeClr val="dk1"/>
+            </a:lnRef>
+            <a:fillRef idx="0">
+              <a:schemeClr val="dk1"/>
+            </a:fillRef>
+            <a:effectRef idx="0">
+              <a:schemeClr val="dk1"/>
+            </a:effectRef>
+            <a:fontRef idx="minor">
+              <a:schemeClr val="tx1"/>
+            </a:fontRef>
+          </p:style>
+        </p:cxnSp>
+        <p:cxnSp>
+          <p:nvCxnSpPr>
+            <p:cNvPr id="29" name="直接箭头连接符 28"/>
+            <p:cNvCxnSpPr/>
+            <p:nvPr/>
+          </p:nvCxnSpPr>
+          <p:spPr>
+            <a:xfrm>
+              <a:off x="3520632" y="1402556"/>
+              <a:ext cx="1132391" cy="0"/>
+            </a:xfrm>
+            <a:prstGeom prst="straightConnector1">
+              <a:avLst/>
+            </a:prstGeom>
+            <a:ln>
+              <a:prstDash val="sysDash"/>
+              <a:headEnd type="triangle"/>
+              <a:tailEnd type="triangle"/>
+            </a:ln>
+          </p:spPr>
+          <p:style>
+            <a:lnRef idx="1">
+              <a:schemeClr val="dk1"/>
+            </a:lnRef>
+            <a:fillRef idx="0">
+              <a:schemeClr val="dk1"/>
+            </a:fillRef>
+            <a:effectRef idx="0">
+              <a:schemeClr val="dk1"/>
+            </a:effectRef>
+            <a:fontRef idx="minor">
+              <a:schemeClr val="tx1"/>
+            </a:fontRef>
+          </p:style>
+        </p:cxnSp>
+        <p:cxnSp>
+          <p:nvCxnSpPr>
+            <p:cNvPr id="31" name="直接箭头连接符 30"/>
+            <p:cNvCxnSpPr/>
+            <p:nvPr/>
+          </p:nvCxnSpPr>
+          <p:spPr>
+            <a:xfrm>
+              <a:off x="6196312" y="1402556"/>
+              <a:ext cx="532438" cy="0"/>
+            </a:xfrm>
+            <a:prstGeom prst="straightConnector1">
+              <a:avLst/>
+            </a:prstGeom>
+            <a:ln>
+              <a:prstDash val="sysDash"/>
+              <a:headEnd type="triangle"/>
+              <a:tailEnd type="triangle"/>
+            </a:ln>
+          </p:spPr>
+          <p:style>
+            <a:lnRef idx="1">
+              <a:schemeClr val="dk1"/>
+            </a:lnRef>
+            <a:fillRef idx="0">
+              <a:schemeClr val="dk1"/>
+            </a:fillRef>
+            <a:effectRef idx="0">
+              <a:schemeClr val="dk1"/>
+            </a:effectRef>
+            <a:fontRef idx="minor">
+              <a:schemeClr val="tx1"/>
+            </a:fontRef>
+          </p:style>
+        </p:cxnSp>
+        <p:cxnSp>
+          <p:nvCxnSpPr>
+            <p:cNvPr id="33" name="直接箭头连接符 32"/>
+            <p:cNvCxnSpPr/>
+            <p:nvPr/>
+          </p:nvCxnSpPr>
+          <p:spPr>
+            <a:xfrm>
+              <a:off x="6749969" y="1402556"/>
+              <a:ext cx="1001211" cy="0"/>
+            </a:xfrm>
+            <a:prstGeom prst="straightConnector1">
+              <a:avLst/>
+            </a:prstGeom>
+            <a:ln>
+              <a:prstDash val="sysDash"/>
+              <a:headEnd type="triangle"/>
+              <a:tailEnd type="triangle"/>
+            </a:ln>
+          </p:spPr>
+          <p:style>
+            <a:lnRef idx="1">
+              <a:schemeClr val="dk1"/>
+            </a:lnRef>
+            <a:fillRef idx="0">
+              <a:schemeClr val="dk1"/>
+            </a:fillRef>
+            <a:effectRef idx="0">
+              <a:schemeClr val="dk1"/>
+            </a:effectRef>
+            <a:fontRef idx="minor">
+              <a:schemeClr val="tx1"/>
+            </a:fontRef>
+          </p:style>
+        </p:cxnSp>
+        <p:cxnSp>
+          <p:nvCxnSpPr>
+            <p:cNvPr id="35" name="直接箭头连接符 34"/>
+            <p:cNvCxnSpPr/>
+            <p:nvPr/>
+          </p:nvCxnSpPr>
+          <p:spPr>
+            <a:xfrm>
+              <a:off x="8364636" y="1402556"/>
+              <a:ext cx="2662180" cy="0"/>
+            </a:xfrm>
+            <a:prstGeom prst="straightConnector1">
+              <a:avLst/>
+            </a:prstGeom>
+            <a:ln>
+              <a:prstDash val="sysDash"/>
+              <a:headEnd type="triangle"/>
+              <a:tailEnd type="triangle"/>
+            </a:ln>
+          </p:spPr>
+          <p:style>
+            <a:lnRef idx="1">
+              <a:schemeClr val="dk1"/>
+            </a:lnRef>
+            <a:fillRef idx="0">
+              <a:schemeClr val="dk1"/>
+            </a:fillRef>
+            <a:effectRef idx="0">
+              <a:schemeClr val="dk1"/>
+            </a:effectRef>
+            <a:fontRef idx="minor">
+              <a:schemeClr val="tx1"/>
+            </a:fontRef>
+          </p:style>
+        </p:cxnSp>
+        <p:cxnSp>
+          <p:nvCxnSpPr>
+            <p:cNvPr id="37" name="直接连接符 36"/>
+            <p:cNvCxnSpPr/>
+            <p:nvPr/>
+          </p:nvCxnSpPr>
+          <p:spPr>
+            <a:xfrm>
+              <a:off x="2772135" y="2742671"/>
+              <a:ext cx="0" cy="585050"/>
+            </a:xfrm>
+            <a:prstGeom prst="line">
+              <a:avLst/>
+            </a:prstGeom>
+          </p:spPr>
+          <p:style>
+            <a:lnRef idx="1">
+              <a:schemeClr val="dk1"/>
+            </a:lnRef>
+            <a:fillRef idx="0">
+              <a:schemeClr val="dk1"/>
+            </a:fillRef>
+            <a:effectRef idx="0">
+              <a:schemeClr val="dk1"/>
+            </a:effectRef>
+            <a:fontRef idx="minor">
+              <a:schemeClr val="tx1"/>
+            </a:fontRef>
+          </p:style>
+        </p:cxnSp>
+        <p:cxnSp>
+          <p:nvCxnSpPr>
+            <p:cNvPr id="39" name="直接连接符 38"/>
+            <p:cNvCxnSpPr/>
+            <p:nvPr/>
+          </p:nvCxnSpPr>
+          <p:spPr>
+            <a:xfrm>
+              <a:off x="3520632" y="2742671"/>
+              <a:ext cx="0" cy="585050"/>
+            </a:xfrm>
+            <a:prstGeom prst="line">
+              <a:avLst/>
+            </a:prstGeom>
+          </p:spPr>
+          <p:style>
+            <a:lnRef idx="1">
+              <a:schemeClr val="dk1"/>
+            </a:lnRef>
+            <a:fillRef idx="0">
+              <a:schemeClr val="dk1"/>
+            </a:fillRef>
+            <a:effectRef idx="0">
+              <a:schemeClr val="dk1"/>
+            </a:effectRef>
+            <a:fontRef idx="minor">
+              <a:schemeClr val="tx1"/>
+            </a:fontRef>
+          </p:style>
+        </p:cxnSp>
+        <p:cxnSp>
+          <p:nvCxnSpPr>
+            <p:cNvPr id="40" name="直接连接符 39"/>
+            <p:cNvCxnSpPr/>
+            <p:nvPr/>
+          </p:nvCxnSpPr>
+          <p:spPr>
+            <a:xfrm>
+              <a:off x="4267198" y="2742671"/>
+              <a:ext cx="0" cy="585050"/>
+            </a:xfrm>
+            <a:prstGeom prst="line">
+              <a:avLst/>
+            </a:prstGeom>
+          </p:spPr>
+          <p:style>
+            <a:lnRef idx="1">
+              <a:schemeClr val="dk1"/>
+            </a:lnRef>
+            <a:fillRef idx="0">
+              <a:schemeClr val="dk1"/>
+            </a:fillRef>
+            <a:effectRef idx="0">
+              <a:schemeClr val="dk1"/>
+            </a:effectRef>
+            <a:fontRef idx="minor">
+              <a:schemeClr val="tx1"/>
+            </a:fontRef>
+          </p:style>
+        </p:cxnSp>
+        <p:cxnSp>
+          <p:nvCxnSpPr>
+            <p:cNvPr id="41" name="直接连接符 40"/>
+            <p:cNvCxnSpPr/>
+            <p:nvPr/>
+          </p:nvCxnSpPr>
+          <p:spPr>
+            <a:xfrm>
+              <a:off x="5031127" y="2742671"/>
+              <a:ext cx="0" cy="585050"/>
+            </a:xfrm>
+            <a:prstGeom prst="line">
+              <a:avLst/>
+            </a:prstGeom>
+          </p:spPr>
+          <p:style>
+            <a:lnRef idx="1">
+              <a:schemeClr val="dk1"/>
+            </a:lnRef>
+            <a:fillRef idx="0">
+              <a:schemeClr val="dk1"/>
+            </a:fillRef>
+            <a:effectRef idx="0">
+              <a:schemeClr val="dk1"/>
+            </a:effectRef>
+            <a:fontRef idx="minor">
+              <a:schemeClr val="tx1"/>
+            </a:fontRef>
+          </p:style>
+        </p:cxnSp>
+        <p:cxnSp>
+          <p:nvCxnSpPr>
+            <p:cNvPr id="43" name="直接连接符 42"/>
+            <p:cNvCxnSpPr/>
+            <p:nvPr/>
+          </p:nvCxnSpPr>
+          <p:spPr>
+            <a:xfrm>
+              <a:off x="7402011" y="2737413"/>
+              <a:ext cx="0" cy="585050"/>
+            </a:xfrm>
+            <a:prstGeom prst="line">
+              <a:avLst/>
+            </a:prstGeom>
+          </p:spPr>
+          <p:style>
+            <a:lnRef idx="1">
+              <a:schemeClr val="dk1"/>
+            </a:lnRef>
+            <a:fillRef idx="0">
+              <a:schemeClr val="dk1"/>
+            </a:fillRef>
+            <a:effectRef idx="0">
+              <a:schemeClr val="dk1"/>
+            </a:effectRef>
+            <a:fontRef idx="minor">
+              <a:schemeClr val="tx1"/>
+            </a:fontRef>
+          </p:style>
+        </p:cxnSp>
+        <p:cxnSp>
+          <p:nvCxnSpPr>
+            <p:cNvPr id="44" name="直接连接符 43"/>
+            <p:cNvCxnSpPr/>
+            <p:nvPr/>
+          </p:nvCxnSpPr>
+          <p:spPr>
+            <a:xfrm>
+              <a:off x="8279755" y="2737413"/>
+              <a:ext cx="0" cy="585050"/>
+            </a:xfrm>
+            <a:prstGeom prst="line">
+              <a:avLst/>
+            </a:prstGeom>
+          </p:spPr>
+          <p:style>
+            <a:lnRef idx="1">
+              <a:schemeClr val="dk1"/>
+            </a:lnRef>
+            <a:fillRef idx="0">
+              <a:schemeClr val="dk1"/>
+            </a:fillRef>
+            <a:effectRef idx="0">
+              <a:schemeClr val="dk1"/>
+            </a:effectRef>
+            <a:fontRef idx="minor">
+              <a:schemeClr val="tx1"/>
+            </a:fontRef>
+          </p:style>
+        </p:cxnSp>
+        <p:cxnSp>
+          <p:nvCxnSpPr>
+            <p:cNvPr id="45" name="直接连接符 44"/>
+            <p:cNvCxnSpPr/>
+            <p:nvPr/>
+          </p:nvCxnSpPr>
+          <p:spPr>
+            <a:xfrm>
+              <a:off x="9130494" y="2737413"/>
+              <a:ext cx="0" cy="585050"/>
+            </a:xfrm>
+            <a:prstGeom prst="line">
+              <a:avLst/>
+            </a:prstGeom>
+          </p:spPr>
+          <p:style>
+            <a:lnRef idx="1">
+              <a:schemeClr val="dk1"/>
+            </a:lnRef>
+            <a:fillRef idx="0">
+              <a:schemeClr val="dk1"/>
+            </a:fillRef>
+            <a:effectRef idx="0">
+              <a:schemeClr val="dk1"/>
+            </a:effectRef>
+            <a:fontRef idx="minor">
+              <a:schemeClr val="tx1"/>
+            </a:fontRef>
+          </p:style>
+        </p:cxnSp>
+        <p:cxnSp>
+          <p:nvCxnSpPr>
+            <p:cNvPr id="46" name="直接连接符 45"/>
+            <p:cNvCxnSpPr/>
+            <p:nvPr/>
+          </p:nvCxnSpPr>
+          <p:spPr>
+            <a:xfrm>
+              <a:off x="10021745" y="2737413"/>
+              <a:ext cx="0" cy="585050"/>
+            </a:xfrm>
+            <a:prstGeom prst="line">
+              <a:avLst/>
+            </a:prstGeom>
+          </p:spPr>
+          <p:style>
+            <a:lnRef idx="1">
+              <a:schemeClr val="dk1"/>
+            </a:lnRef>
+            <a:fillRef idx="0">
+              <a:schemeClr val="dk1"/>
+            </a:fillRef>
+            <a:effectRef idx="0">
+              <a:schemeClr val="dk1"/>
+            </a:effectRef>
+            <a:fontRef idx="minor">
+              <a:schemeClr val="tx1"/>
+            </a:fontRef>
+          </p:style>
+        </p:cxnSp>
+        <p:sp>
+          <p:nvSpPr>
+            <p:cNvPr id="47" name="文本框 46"/>
+            <p:cNvSpPr txBox="1"/>
+            <p:nvPr/>
+          </p:nvSpPr>
+          <p:spPr>
+            <a:xfrm>
+              <a:off x="2233913" y="1594414"/>
+              <a:ext cx="729206" cy="338554"/>
+            </a:xfrm>
+            <a:prstGeom prst="rect">
+              <a:avLst/>
+            </a:prstGeom>
+            <a:noFill/>
+          </p:spPr>
+          <p:txBody>
+            <a:bodyPr wrap="square" rtlCol="0">
+              <a:spAutoFit/>
+            </a:bodyPr>
+            <a:lstStyle/>
+            <a:p>
+              <a:r>
+                <a:rPr lang="zh-CN" altLang="en-US" sz="1600" dirty="0"/>
+                <a:t>寝室</a:t>
+              </a:r>
+            </a:p>
+          </p:txBody>
+        </p:sp>
+        <p:sp>
+          <p:nvSpPr>
+            <p:cNvPr id="48" name="文本框 47"/>
+            <p:cNvSpPr txBox="1"/>
+            <p:nvPr/>
+          </p:nvSpPr>
+          <p:spPr>
+            <a:xfrm>
+              <a:off x="3649882" y="1637656"/>
+              <a:ext cx="933694" cy="338554"/>
+            </a:xfrm>
+            <a:prstGeom prst="rect">
+              <a:avLst/>
+            </a:prstGeom>
+            <a:noFill/>
+          </p:spPr>
+          <p:txBody>
+            <a:bodyPr wrap="square" rtlCol="0">
+              <a:spAutoFit/>
+            </a:bodyPr>
+            <a:lstStyle/>
+            <a:p>
+              <a:r>
+                <a:rPr lang="zh-CN" altLang="en-US" sz="1600" dirty="0" smtClean="0"/>
+                <a:t>教学楼</a:t>
+              </a:r>
+              <a:endParaRPr lang="zh-CN" altLang="en-US" sz="1600" dirty="0"/>
+            </a:p>
+          </p:txBody>
+        </p:sp>
+        <p:cxnSp>
+          <p:nvCxnSpPr>
+            <p:cNvPr id="49" name="直接连接符 48"/>
+            <p:cNvCxnSpPr/>
+            <p:nvPr/>
+          </p:nvCxnSpPr>
+          <p:spPr>
+            <a:xfrm>
+              <a:off x="5249117" y="1180618"/>
+              <a:ext cx="0" cy="474562"/>
+            </a:xfrm>
+            <a:prstGeom prst="line">
+              <a:avLst/>
+            </a:prstGeom>
+          </p:spPr>
+          <p:style>
+            <a:lnRef idx="1">
+              <a:schemeClr val="dk1"/>
+            </a:lnRef>
+            <a:fillRef idx="0">
+              <a:schemeClr val="dk1"/>
+            </a:fillRef>
+            <a:effectRef idx="0">
+              <a:schemeClr val="dk1"/>
+            </a:effectRef>
+            <a:fontRef idx="minor">
+              <a:schemeClr val="tx1"/>
+            </a:fontRef>
+          </p:style>
+        </p:cxnSp>
+        <p:cxnSp>
+          <p:nvCxnSpPr>
+            <p:cNvPr id="51" name="直接箭头连接符 50"/>
+            <p:cNvCxnSpPr/>
+            <p:nvPr/>
+          </p:nvCxnSpPr>
+          <p:spPr>
+            <a:xfrm>
+              <a:off x="4653023" y="1402556"/>
+              <a:ext cx="566195" cy="0"/>
+            </a:xfrm>
+            <a:prstGeom prst="straightConnector1">
+              <a:avLst/>
+            </a:prstGeom>
+            <a:ln>
+              <a:prstDash val="sysDash"/>
+              <a:headEnd type="triangle"/>
+              <a:tailEnd type="triangle"/>
+            </a:ln>
+          </p:spPr>
+          <p:style>
+            <a:lnRef idx="1">
+              <a:schemeClr val="dk1"/>
+            </a:lnRef>
+            <a:fillRef idx="0">
+              <a:schemeClr val="dk1"/>
+            </a:fillRef>
+            <a:effectRef idx="0">
+              <a:schemeClr val="dk1"/>
+            </a:effectRef>
+            <a:fontRef idx="minor">
+              <a:schemeClr val="tx1"/>
+            </a:fontRef>
+          </p:style>
+        </p:cxnSp>
+        <p:sp>
+          <p:nvSpPr>
+            <p:cNvPr id="53" name="文本框 52"/>
+            <p:cNvSpPr txBox="1"/>
+            <p:nvPr/>
+          </p:nvSpPr>
+          <p:spPr>
+            <a:xfrm>
+              <a:off x="4543062" y="1649231"/>
+              <a:ext cx="933694" cy="338554"/>
+            </a:xfrm>
+            <a:prstGeom prst="rect">
+              <a:avLst/>
+            </a:prstGeom>
+            <a:noFill/>
+          </p:spPr>
+          <p:txBody>
+            <a:bodyPr wrap="square" rtlCol="0">
+              <a:spAutoFit/>
+            </a:bodyPr>
+            <a:lstStyle/>
+            <a:p>
+              <a:r>
+                <a:rPr lang="zh-CN" altLang="en-US" sz="1600" dirty="0" smtClean="0"/>
+                <a:t>图书馆</a:t>
+              </a:r>
+              <a:endParaRPr lang="zh-CN" altLang="en-US" sz="1600" dirty="0"/>
+            </a:p>
+          </p:txBody>
+        </p:sp>
+        <p:sp>
+          <p:nvSpPr>
+            <p:cNvPr id="54" name="文本框 53"/>
+            <p:cNvSpPr txBox="1"/>
+            <p:nvPr/>
+          </p:nvSpPr>
+          <p:spPr>
+            <a:xfrm>
+              <a:off x="5995684" y="1731431"/>
+              <a:ext cx="844954" cy="338554"/>
+            </a:xfrm>
+            <a:prstGeom prst="rect">
+              <a:avLst/>
+            </a:prstGeom>
+            <a:noFill/>
+          </p:spPr>
+          <p:txBody>
+            <a:bodyPr wrap="square" rtlCol="0">
+              <a:spAutoFit/>
+            </a:bodyPr>
+            <a:lstStyle/>
+            <a:p>
+              <a:r>
+                <a:rPr lang="zh-CN" altLang="en-US" sz="1600" dirty="0"/>
+                <a:t>实验室</a:t>
+              </a:r>
+            </a:p>
+          </p:txBody>
+        </p:sp>
+        <p:sp>
+          <p:nvSpPr>
+            <p:cNvPr id="55" name="文本框 54"/>
+            <p:cNvSpPr txBox="1"/>
+            <p:nvPr/>
+          </p:nvSpPr>
+          <p:spPr>
+            <a:xfrm>
+              <a:off x="6930343" y="1731431"/>
+              <a:ext cx="844954" cy="338554"/>
+            </a:xfrm>
+            <a:prstGeom prst="rect">
+              <a:avLst/>
+            </a:prstGeom>
+            <a:noFill/>
+          </p:spPr>
+          <p:txBody>
+            <a:bodyPr wrap="square" rtlCol="0">
+              <a:spAutoFit/>
+            </a:bodyPr>
+            <a:lstStyle/>
+            <a:p>
+              <a:r>
+                <a:rPr lang="zh-CN" altLang="en-US" sz="1600" dirty="0" smtClean="0"/>
+                <a:t>篮球场</a:t>
+              </a:r>
+              <a:endParaRPr lang="zh-CN" altLang="en-US" sz="1600" dirty="0"/>
+            </a:p>
+          </p:txBody>
+        </p:sp>
+        <p:sp>
+          <p:nvSpPr>
+            <p:cNvPr id="56" name="文本框 55"/>
+            <p:cNvSpPr txBox="1"/>
+            <p:nvPr/>
+          </p:nvSpPr>
+          <p:spPr>
+            <a:xfrm>
+              <a:off x="9471950" y="1690520"/>
+              <a:ext cx="844954" cy="461665"/>
+            </a:xfrm>
+            <a:prstGeom prst="rect">
+              <a:avLst/>
+            </a:prstGeom>
+            <a:noFill/>
+          </p:spPr>
+          <p:txBody>
+            <a:bodyPr wrap="square" rtlCol="0">
+              <a:spAutoFit/>
+            </a:bodyPr>
+            <a:lstStyle/>
+            <a:p>
+              <a:r>
+                <a:rPr lang="en-US" altLang="zh-CN" sz="2400" b="1" dirty="0" smtClean="0"/>
+                <a:t>……</a:t>
+              </a:r>
+              <a:endParaRPr lang="zh-CN" altLang="en-US" sz="2400" b="1" dirty="0"/>
+            </a:p>
+          </p:txBody>
+        </p:sp>
+        <p:sp>
+          <p:nvSpPr>
+            <p:cNvPr id="57" name="文本框 56"/>
+            <p:cNvSpPr txBox="1"/>
+            <p:nvPr/>
+          </p:nvSpPr>
+          <p:spPr>
+            <a:xfrm>
+              <a:off x="10316904" y="2810818"/>
+              <a:ext cx="844954" cy="461665"/>
+            </a:xfrm>
+            <a:prstGeom prst="rect">
+              <a:avLst/>
+            </a:prstGeom>
+            <a:noFill/>
+          </p:spPr>
+          <p:txBody>
+            <a:bodyPr wrap="square" rtlCol="0">
+              <a:spAutoFit/>
+            </a:bodyPr>
+            <a:lstStyle/>
+            <a:p>
+              <a:r>
+                <a:rPr lang="en-US" altLang="zh-CN" sz="2400" b="1" dirty="0" smtClean="0"/>
+                <a:t>……</a:t>
+              </a:r>
+              <a:endParaRPr lang="zh-CN" altLang="en-US" sz="2400" b="1" dirty="0"/>
+            </a:p>
+          </p:txBody>
+        </p:sp>
+        <p:sp>
+          <p:nvSpPr>
+            <p:cNvPr id="58" name="文本框 57"/>
+            <p:cNvSpPr txBox="1"/>
+            <p:nvPr/>
+          </p:nvSpPr>
+          <p:spPr>
+            <a:xfrm>
+              <a:off x="5881866" y="2780295"/>
+              <a:ext cx="844954" cy="461665"/>
+            </a:xfrm>
+            <a:prstGeom prst="rect">
+              <a:avLst/>
+            </a:prstGeom>
+            <a:noFill/>
+          </p:spPr>
+          <p:txBody>
+            <a:bodyPr wrap="square" rtlCol="0">
+              <a:spAutoFit/>
+            </a:bodyPr>
+            <a:lstStyle/>
+            <a:p>
+              <a:r>
+                <a:rPr lang="en-US" altLang="zh-CN" sz="2400" b="1" dirty="0" smtClean="0"/>
+                <a:t>……</a:t>
+              </a:r>
+              <a:endParaRPr lang="zh-CN" altLang="en-US" sz="2400" b="1" dirty="0"/>
+            </a:p>
+          </p:txBody>
+        </p:sp>
+        <p:sp>
+          <p:nvSpPr>
+            <p:cNvPr id="59" name="文本框 58"/>
+            <p:cNvSpPr txBox="1"/>
+            <p:nvPr/>
+          </p:nvSpPr>
+          <p:spPr>
+            <a:xfrm>
+              <a:off x="2040036" y="2871443"/>
+              <a:ext cx="729206" cy="338554"/>
+            </a:xfrm>
+            <a:prstGeom prst="rect">
+              <a:avLst/>
+            </a:prstGeom>
+            <a:noFill/>
+          </p:spPr>
+          <p:txBody>
+            <a:bodyPr wrap="square" rtlCol="0">
+              <a:spAutoFit/>
+            </a:bodyPr>
+            <a:lstStyle/>
+            <a:p>
+              <a:r>
+                <a:rPr lang="zh-CN" altLang="en-US" sz="1600" dirty="0"/>
+                <a:t>寝室</a:t>
+              </a:r>
+            </a:p>
+          </p:txBody>
+        </p:sp>
+        <p:sp>
+          <p:nvSpPr>
+            <p:cNvPr id="60" name="文本框 59"/>
+            <p:cNvSpPr txBox="1"/>
+            <p:nvPr/>
+          </p:nvSpPr>
+          <p:spPr>
+            <a:xfrm>
+              <a:off x="2788534" y="2878679"/>
+              <a:ext cx="729206" cy="338554"/>
+            </a:xfrm>
+            <a:prstGeom prst="rect">
+              <a:avLst/>
+            </a:prstGeom>
+            <a:noFill/>
+          </p:spPr>
+          <p:txBody>
+            <a:bodyPr wrap="square" rtlCol="0">
+              <a:spAutoFit/>
+            </a:bodyPr>
+            <a:lstStyle/>
+            <a:p>
+              <a:r>
+                <a:rPr lang="en-US" altLang="zh-CN" sz="1600" dirty="0" smtClean="0"/>
+                <a:t>1</a:t>
+              </a:r>
+              <a:r>
+                <a:rPr lang="zh-CN" altLang="en-US" sz="1600" dirty="0" smtClean="0"/>
+                <a:t>食堂</a:t>
+              </a:r>
+              <a:endParaRPr lang="zh-CN" altLang="en-US" sz="1600" dirty="0"/>
+            </a:p>
+          </p:txBody>
+        </p:sp>
+        <p:sp>
+          <p:nvSpPr>
+            <p:cNvPr id="61" name="文本框 60"/>
+            <p:cNvSpPr txBox="1"/>
+            <p:nvPr/>
+          </p:nvSpPr>
+          <p:spPr>
+            <a:xfrm>
+              <a:off x="3533170" y="2878679"/>
+              <a:ext cx="933694" cy="338554"/>
+            </a:xfrm>
+            <a:prstGeom prst="rect">
+              <a:avLst/>
+            </a:prstGeom>
+            <a:noFill/>
+          </p:spPr>
+          <p:txBody>
+            <a:bodyPr wrap="square" rtlCol="0">
+              <a:spAutoFit/>
+            </a:bodyPr>
+            <a:lstStyle/>
+            <a:p>
+              <a:r>
+                <a:rPr lang="zh-CN" altLang="en-US" sz="1600" dirty="0" smtClean="0"/>
+                <a:t>教学楼</a:t>
+              </a:r>
+              <a:endParaRPr lang="zh-CN" altLang="en-US" sz="1600" dirty="0"/>
+            </a:p>
+          </p:txBody>
+        </p:sp>
+        <p:sp>
+          <p:nvSpPr>
+            <p:cNvPr id="62" name="文本框 61"/>
+            <p:cNvSpPr txBox="1"/>
+            <p:nvPr/>
+          </p:nvSpPr>
+          <p:spPr>
+            <a:xfrm>
+              <a:off x="4266236" y="2889166"/>
+              <a:ext cx="933694" cy="338554"/>
+            </a:xfrm>
+            <a:prstGeom prst="rect">
+              <a:avLst/>
+            </a:prstGeom>
+            <a:noFill/>
+          </p:spPr>
+          <p:txBody>
+            <a:bodyPr wrap="square" rtlCol="0">
+              <a:spAutoFit/>
+            </a:bodyPr>
+            <a:lstStyle/>
+            <a:p>
+              <a:r>
+                <a:rPr lang="zh-CN" altLang="en-US" sz="1600" dirty="0" smtClean="0"/>
+                <a:t>图书馆</a:t>
+              </a:r>
+              <a:endParaRPr lang="zh-CN" altLang="en-US" sz="1600" dirty="0"/>
+            </a:p>
+          </p:txBody>
+        </p:sp>
+        <p:sp>
+          <p:nvSpPr>
+            <p:cNvPr id="63" name="文本框 62"/>
+            <p:cNvSpPr txBox="1"/>
+            <p:nvPr/>
+          </p:nvSpPr>
+          <p:spPr>
+            <a:xfrm>
+              <a:off x="7421298" y="2903361"/>
+              <a:ext cx="844954" cy="338554"/>
+            </a:xfrm>
+            <a:prstGeom prst="rect">
+              <a:avLst/>
+            </a:prstGeom>
+            <a:noFill/>
+          </p:spPr>
+          <p:txBody>
+            <a:bodyPr wrap="square" rtlCol="0">
+              <a:spAutoFit/>
+            </a:bodyPr>
+            <a:lstStyle/>
+            <a:p>
+              <a:r>
+                <a:rPr lang="zh-CN" altLang="en-US" sz="1600" dirty="0"/>
+                <a:t>实验室</a:t>
+              </a:r>
+            </a:p>
+          </p:txBody>
+        </p:sp>
+        <p:sp>
+          <p:nvSpPr>
+            <p:cNvPr id="64" name="文本框 63"/>
+            <p:cNvSpPr txBox="1"/>
+            <p:nvPr/>
+          </p:nvSpPr>
+          <p:spPr>
+            <a:xfrm>
+              <a:off x="8262392" y="2903361"/>
+              <a:ext cx="844954" cy="338554"/>
+            </a:xfrm>
+            <a:prstGeom prst="rect">
+              <a:avLst/>
+            </a:prstGeom>
+            <a:noFill/>
+          </p:spPr>
+          <p:txBody>
+            <a:bodyPr wrap="square" rtlCol="0">
+              <a:spAutoFit/>
+            </a:bodyPr>
+            <a:lstStyle/>
+            <a:p>
+              <a:r>
+                <a:rPr lang="zh-CN" altLang="en-US" sz="1600" dirty="0" smtClean="0"/>
+                <a:t>篮球场</a:t>
+              </a:r>
+              <a:endParaRPr lang="zh-CN" altLang="en-US" sz="1600" dirty="0"/>
+            </a:p>
+          </p:txBody>
+        </p:sp>
+        <p:sp>
+          <p:nvSpPr>
+            <p:cNvPr id="65" name="文本框 64"/>
+            <p:cNvSpPr txBox="1"/>
+            <p:nvPr/>
+          </p:nvSpPr>
+          <p:spPr>
+            <a:xfrm>
+              <a:off x="9174862" y="2894513"/>
+              <a:ext cx="844954" cy="338554"/>
+            </a:xfrm>
+            <a:prstGeom prst="rect">
+              <a:avLst/>
+            </a:prstGeom>
+            <a:noFill/>
+          </p:spPr>
+          <p:txBody>
+            <a:bodyPr wrap="square" rtlCol="0">
+              <a:spAutoFit/>
+            </a:bodyPr>
+            <a:lstStyle/>
+            <a:p>
+              <a:r>
+                <a:rPr lang="zh-CN" altLang="en-US" sz="1600" dirty="0"/>
+                <a:t>实验室</a:t>
+              </a:r>
+            </a:p>
+          </p:txBody>
+        </p:sp>
+        <p:cxnSp>
+          <p:nvCxnSpPr>
+            <p:cNvPr id="67" name="直接箭头连接符 66"/>
+            <p:cNvCxnSpPr>
+              <a:stCxn id="47" idx="2"/>
+            </p:cNvCxnSpPr>
+            <p:nvPr/>
+          </p:nvCxnSpPr>
+          <p:spPr>
+            <a:xfrm flipH="1">
+              <a:off x="2404640" y="1932968"/>
+              <a:ext cx="193876" cy="804445"/>
+            </a:xfrm>
+            <a:prstGeom prst="straightConnector1">
+              <a:avLst/>
+            </a:prstGeom>
+            <a:ln>
+              <a:tailEnd type="triangle"/>
+            </a:ln>
+          </p:spPr>
+          <p:style>
+            <a:lnRef idx="2">
+              <a:schemeClr val="dk1"/>
+            </a:lnRef>
+            <a:fillRef idx="0">
+              <a:schemeClr val="dk1"/>
+            </a:fillRef>
+            <a:effectRef idx="1">
+              <a:schemeClr val="dk1"/>
+            </a:effectRef>
+            <a:fontRef idx="minor">
+              <a:schemeClr val="tx1"/>
+            </a:fontRef>
+          </p:style>
+        </p:cxnSp>
+        <p:cxnSp>
+          <p:nvCxnSpPr>
+            <p:cNvPr id="69" name="直接箭头连接符 68"/>
+            <p:cNvCxnSpPr>
+              <a:stCxn id="48" idx="2"/>
+            </p:cNvCxnSpPr>
+            <p:nvPr/>
+          </p:nvCxnSpPr>
+          <p:spPr>
+            <a:xfrm flipH="1">
+              <a:off x="3888610" y="1976210"/>
+              <a:ext cx="228119" cy="728846"/>
+            </a:xfrm>
+            <a:prstGeom prst="straightConnector1">
+              <a:avLst/>
+            </a:prstGeom>
+            <a:ln>
+              <a:tailEnd type="triangle"/>
+            </a:ln>
+          </p:spPr>
+          <p:style>
+            <a:lnRef idx="2">
+              <a:schemeClr val="dk1"/>
+            </a:lnRef>
+            <a:fillRef idx="0">
+              <a:schemeClr val="dk1"/>
+            </a:fillRef>
+            <a:effectRef idx="1">
+              <a:schemeClr val="dk1"/>
+            </a:effectRef>
+            <a:fontRef idx="minor">
+              <a:schemeClr val="tx1"/>
+            </a:fontRef>
+          </p:style>
+        </p:cxnSp>
+        <p:cxnSp>
+          <p:nvCxnSpPr>
+            <p:cNvPr id="71" name="直接箭头连接符 70"/>
+            <p:cNvCxnSpPr>
+              <a:stCxn id="53" idx="2"/>
+            </p:cNvCxnSpPr>
+            <p:nvPr/>
+          </p:nvCxnSpPr>
+          <p:spPr>
+            <a:xfrm flipH="1">
+              <a:off x="4690878" y="1987785"/>
+              <a:ext cx="319031" cy="727007"/>
+            </a:xfrm>
+            <a:prstGeom prst="straightConnector1">
+              <a:avLst/>
+            </a:prstGeom>
+            <a:ln>
+              <a:tailEnd type="triangle"/>
+            </a:ln>
+          </p:spPr>
+          <p:style>
+            <a:lnRef idx="2">
+              <a:schemeClr val="dk1"/>
+            </a:lnRef>
+            <a:fillRef idx="0">
+              <a:schemeClr val="dk1"/>
+            </a:fillRef>
+            <a:effectRef idx="1">
+              <a:schemeClr val="dk1"/>
+            </a:effectRef>
+            <a:fontRef idx="minor">
+              <a:schemeClr val="tx1"/>
+            </a:fontRef>
+          </p:style>
+        </p:cxnSp>
+        <p:cxnSp>
+          <p:nvCxnSpPr>
+            <p:cNvPr id="76" name="直接箭头连接符 75"/>
+            <p:cNvCxnSpPr>
+              <a:stCxn id="54" idx="2"/>
+            </p:cNvCxnSpPr>
+            <p:nvPr/>
+          </p:nvCxnSpPr>
+          <p:spPr>
+            <a:xfrm>
+              <a:off x="6418161" y="2069985"/>
+              <a:ext cx="1357136" cy="635071"/>
+            </a:xfrm>
+            <a:prstGeom prst="straightConnector1">
+              <a:avLst/>
+            </a:prstGeom>
+            <a:ln>
+              <a:tailEnd type="triangle"/>
+            </a:ln>
+          </p:spPr>
+          <p:style>
+            <a:lnRef idx="2">
+              <a:schemeClr val="dk1"/>
+            </a:lnRef>
+            <a:fillRef idx="0">
+              <a:schemeClr val="dk1"/>
+            </a:fillRef>
+            <a:effectRef idx="1">
+              <a:schemeClr val="dk1"/>
+            </a:effectRef>
+            <a:fontRef idx="minor">
+              <a:schemeClr val="tx1"/>
+            </a:fontRef>
+          </p:style>
+        </p:cxnSp>
+        <p:cxnSp>
+          <p:nvCxnSpPr>
+            <p:cNvPr id="82" name="直接箭头连接符 81"/>
+            <p:cNvCxnSpPr>
+              <a:stCxn id="56" idx="2"/>
+            </p:cNvCxnSpPr>
+            <p:nvPr/>
+          </p:nvCxnSpPr>
+          <p:spPr>
+            <a:xfrm>
+              <a:off x="9894427" y="2152185"/>
+              <a:ext cx="707983" cy="552871"/>
+            </a:xfrm>
+            <a:prstGeom prst="straightConnector1">
+              <a:avLst/>
+            </a:prstGeom>
+            <a:ln>
+              <a:tailEnd type="triangle"/>
+            </a:ln>
+          </p:spPr>
+          <p:style>
+            <a:lnRef idx="2">
+              <a:schemeClr val="dk1"/>
+            </a:lnRef>
+            <a:fillRef idx="0">
+              <a:schemeClr val="dk1"/>
+            </a:fillRef>
+            <a:effectRef idx="1">
+              <a:schemeClr val="dk1"/>
+            </a:effectRef>
+            <a:fontRef idx="minor">
+              <a:schemeClr val="tx1"/>
+            </a:fontRef>
+          </p:style>
+        </p:cxnSp>
+        <p:cxnSp>
+          <p:nvCxnSpPr>
+            <p:cNvPr id="85" name="直接连接符 84"/>
+            <p:cNvCxnSpPr/>
+            <p:nvPr/>
+          </p:nvCxnSpPr>
+          <p:spPr>
+            <a:xfrm>
+              <a:off x="1989879" y="3428035"/>
+              <a:ext cx="0" cy="474562"/>
+            </a:xfrm>
+            <a:prstGeom prst="line">
+              <a:avLst/>
+            </a:prstGeom>
+          </p:spPr>
+          <p:style>
+            <a:lnRef idx="1">
+              <a:schemeClr val="dk1"/>
+            </a:lnRef>
+            <a:fillRef idx="0">
+              <a:schemeClr val="dk1"/>
+            </a:fillRef>
+            <a:effectRef idx="0">
+              <a:schemeClr val="dk1"/>
+            </a:effectRef>
+            <a:fontRef idx="minor">
+              <a:schemeClr val="tx1"/>
+            </a:fontRef>
+          </p:style>
+        </p:cxnSp>
+        <p:cxnSp>
+          <p:nvCxnSpPr>
+            <p:cNvPr id="86" name="直接连接符 85"/>
+            <p:cNvCxnSpPr/>
+            <p:nvPr/>
+          </p:nvCxnSpPr>
+          <p:spPr>
+            <a:xfrm>
+              <a:off x="2769242" y="3412692"/>
+              <a:ext cx="0" cy="474562"/>
+            </a:xfrm>
+            <a:prstGeom prst="line">
+              <a:avLst/>
+            </a:prstGeom>
+          </p:spPr>
+          <p:style>
+            <a:lnRef idx="1">
+              <a:schemeClr val="dk1"/>
+            </a:lnRef>
+            <a:fillRef idx="0">
+              <a:schemeClr val="dk1"/>
+            </a:fillRef>
+            <a:effectRef idx="0">
+              <a:schemeClr val="dk1"/>
+            </a:effectRef>
+            <a:fontRef idx="minor">
+              <a:schemeClr val="tx1"/>
+            </a:fontRef>
+          </p:style>
+        </p:cxnSp>
+        <p:cxnSp>
+          <p:nvCxnSpPr>
+            <p:cNvPr id="87" name="直接箭头连接符 86"/>
+            <p:cNvCxnSpPr/>
+            <p:nvPr/>
+          </p:nvCxnSpPr>
+          <p:spPr>
+            <a:xfrm>
+              <a:off x="2047754" y="3649973"/>
+              <a:ext cx="638537" cy="0"/>
+            </a:xfrm>
+            <a:prstGeom prst="straightConnector1">
+              <a:avLst/>
+            </a:prstGeom>
+            <a:ln>
+              <a:prstDash val="sysDash"/>
+              <a:headEnd type="triangle"/>
+              <a:tailEnd type="triangle"/>
+            </a:ln>
+          </p:spPr>
+          <p:style>
+            <a:lnRef idx="1">
+              <a:schemeClr val="dk1"/>
+            </a:lnRef>
+            <a:fillRef idx="0">
+              <a:schemeClr val="dk1"/>
+            </a:fillRef>
+            <a:effectRef idx="0">
+              <a:schemeClr val="dk1"/>
+            </a:effectRef>
+            <a:fontRef idx="minor">
+              <a:schemeClr val="tx1"/>
+            </a:fontRef>
+          </p:style>
+        </p:cxnSp>
+        <p:cxnSp>
+          <p:nvCxnSpPr>
+            <p:cNvPr id="88" name="直接连接符 87"/>
+            <p:cNvCxnSpPr/>
+            <p:nvPr/>
+          </p:nvCxnSpPr>
+          <p:spPr>
+            <a:xfrm>
+              <a:off x="4266236" y="3441628"/>
+              <a:ext cx="0" cy="474562"/>
+            </a:xfrm>
+            <a:prstGeom prst="line">
+              <a:avLst/>
+            </a:prstGeom>
+          </p:spPr>
+          <p:style>
+            <a:lnRef idx="1">
+              <a:schemeClr val="dk1"/>
+            </a:lnRef>
+            <a:fillRef idx="0">
+              <a:schemeClr val="dk1"/>
+            </a:fillRef>
+            <a:effectRef idx="0">
+              <a:schemeClr val="dk1"/>
+            </a:effectRef>
+            <a:fontRef idx="minor">
+              <a:schemeClr val="tx1"/>
+            </a:fontRef>
+          </p:style>
+        </p:cxnSp>
+        <p:cxnSp>
+          <p:nvCxnSpPr>
+            <p:cNvPr id="89" name="直接箭头连接符 88"/>
+            <p:cNvCxnSpPr/>
+            <p:nvPr/>
+          </p:nvCxnSpPr>
+          <p:spPr>
+            <a:xfrm flipH="1">
+              <a:off x="2838692" y="3665316"/>
+              <a:ext cx="1427544" cy="0"/>
+            </a:xfrm>
+            <a:prstGeom prst="straightConnector1">
+              <a:avLst/>
+            </a:prstGeom>
+            <a:ln>
+              <a:prstDash val="sysDash"/>
+              <a:headEnd type="triangle"/>
+              <a:tailEnd type="triangle"/>
+            </a:ln>
+          </p:spPr>
+          <p:style>
+            <a:lnRef idx="1">
+              <a:schemeClr val="dk1"/>
+            </a:lnRef>
+            <a:fillRef idx="0">
+              <a:schemeClr val="dk1"/>
+            </a:fillRef>
+            <a:effectRef idx="0">
+              <a:schemeClr val="dk1"/>
+            </a:effectRef>
+            <a:fontRef idx="minor">
+              <a:schemeClr val="tx1"/>
+            </a:fontRef>
+          </p:style>
+        </p:cxnSp>
+        <p:cxnSp>
+          <p:nvCxnSpPr>
+            <p:cNvPr id="92" name="直接连接符 91"/>
+            <p:cNvCxnSpPr/>
+            <p:nvPr/>
+          </p:nvCxnSpPr>
+          <p:spPr>
+            <a:xfrm>
+              <a:off x="7421298" y="3412692"/>
+              <a:ext cx="0" cy="474562"/>
+            </a:xfrm>
+            <a:prstGeom prst="line">
+              <a:avLst/>
+            </a:prstGeom>
+          </p:spPr>
+          <p:style>
+            <a:lnRef idx="1">
+              <a:schemeClr val="dk1"/>
+            </a:lnRef>
+            <a:fillRef idx="0">
+              <a:schemeClr val="dk1"/>
+            </a:fillRef>
+            <a:effectRef idx="0">
+              <a:schemeClr val="dk1"/>
+            </a:effectRef>
+            <a:fontRef idx="minor">
+              <a:schemeClr val="tx1"/>
+            </a:fontRef>
+          </p:style>
+        </p:cxnSp>
+        <p:cxnSp>
+          <p:nvCxnSpPr>
+            <p:cNvPr id="93" name="直接箭头连接符 92"/>
+            <p:cNvCxnSpPr/>
+            <p:nvPr/>
+          </p:nvCxnSpPr>
+          <p:spPr>
+            <a:xfrm flipH="1">
+              <a:off x="4317355" y="3678909"/>
+              <a:ext cx="3035465" cy="0"/>
+            </a:xfrm>
+            <a:prstGeom prst="straightConnector1">
+              <a:avLst/>
+            </a:prstGeom>
+            <a:ln>
+              <a:prstDash val="sysDash"/>
+              <a:headEnd type="triangle"/>
+              <a:tailEnd type="triangle"/>
+            </a:ln>
+          </p:spPr>
+          <p:style>
+            <a:lnRef idx="1">
+              <a:schemeClr val="dk1"/>
+            </a:lnRef>
+            <a:fillRef idx="0">
+              <a:schemeClr val="dk1"/>
+            </a:fillRef>
+            <a:effectRef idx="0">
+              <a:schemeClr val="dk1"/>
+            </a:effectRef>
+            <a:fontRef idx="minor">
+              <a:schemeClr val="tx1"/>
+            </a:fontRef>
+          </p:style>
+        </p:cxnSp>
+        <p:cxnSp>
+          <p:nvCxnSpPr>
+            <p:cNvPr id="95" name="直接连接符 94"/>
+            <p:cNvCxnSpPr/>
+            <p:nvPr/>
+          </p:nvCxnSpPr>
+          <p:spPr>
+            <a:xfrm>
+              <a:off x="8295186" y="3426285"/>
+              <a:ext cx="0" cy="474562"/>
+            </a:xfrm>
+            <a:prstGeom prst="line">
+              <a:avLst/>
+            </a:prstGeom>
+          </p:spPr>
+          <p:style>
+            <a:lnRef idx="1">
+              <a:schemeClr val="dk1"/>
+            </a:lnRef>
+            <a:fillRef idx="0">
+              <a:schemeClr val="dk1"/>
+            </a:fillRef>
+            <a:effectRef idx="0">
+              <a:schemeClr val="dk1"/>
+            </a:effectRef>
+            <a:fontRef idx="minor">
+              <a:schemeClr val="tx1"/>
+            </a:fontRef>
+          </p:style>
+        </p:cxnSp>
+        <p:cxnSp>
+          <p:nvCxnSpPr>
+            <p:cNvPr id="96" name="直接连接符 95"/>
+            <p:cNvCxnSpPr/>
+            <p:nvPr/>
+          </p:nvCxnSpPr>
+          <p:spPr>
+            <a:xfrm>
+              <a:off x="10019816" y="3441628"/>
+              <a:ext cx="0" cy="474562"/>
+            </a:xfrm>
+            <a:prstGeom prst="line">
+              <a:avLst/>
+            </a:prstGeom>
+          </p:spPr>
+          <p:style>
+            <a:lnRef idx="1">
+              <a:schemeClr val="dk1"/>
+            </a:lnRef>
+            <a:fillRef idx="0">
+              <a:schemeClr val="dk1"/>
+            </a:fillRef>
+            <a:effectRef idx="0">
+              <a:schemeClr val="dk1"/>
+            </a:effectRef>
+            <a:fontRef idx="minor">
+              <a:schemeClr val="tx1"/>
+            </a:fontRef>
+          </p:style>
+        </p:cxnSp>
+        <p:cxnSp>
+          <p:nvCxnSpPr>
+            <p:cNvPr id="97" name="直接箭头连接符 96"/>
+            <p:cNvCxnSpPr/>
+            <p:nvPr/>
+          </p:nvCxnSpPr>
+          <p:spPr>
+            <a:xfrm flipH="1">
+              <a:off x="8461090" y="3663566"/>
+              <a:ext cx="1427544" cy="0"/>
+            </a:xfrm>
+            <a:prstGeom prst="straightConnector1">
+              <a:avLst/>
+            </a:prstGeom>
+            <a:ln>
+              <a:prstDash val="sysDash"/>
+              <a:headEnd type="triangle"/>
+              <a:tailEnd type="triangle"/>
+            </a:ln>
+          </p:spPr>
+          <p:style>
+            <a:lnRef idx="1">
+              <a:schemeClr val="dk1"/>
+            </a:lnRef>
+            <a:fillRef idx="0">
+              <a:schemeClr val="dk1"/>
+            </a:fillRef>
+            <a:effectRef idx="0">
+              <a:schemeClr val="dk1"/>
+            </a:effectRef>
+            <a:fontRef idx="minor">
+              <a:schemeClr val="tx1"/>
+            </a:fontRef>
+          </p:style>
+        </p:cxnSp>
+        <p:sp>
+          <p:nvSpPr>
+            <p:cNvPr id="98" name="文本框 97"/>
+            <p:cNvSpPr txBox="1"/>
+            <p:nvPr/>
+          </p:nvSpPr>
+          <p:spPr>
+            <a:xfrm>
+              <a:off x="1798898" y="4002911"/>
+              <a:ext cx="497711" cy="338554"/>
+            </a:xfrm>
+            <a:prstGeom prst="rect">
+              <a:avLst/>
+            </a:prstGeom>
+            <a:noFill/>
+          </p:spPr>
+          <p:txBody>
+            <a:bodyPr wrap="square" rtlCol="0">
+              <a:spAutoFit/>
+            </a:bodyPr>
+            <a:lstStyle/>
+            <a:p>
+              <a:r>
+                <a:rPr lang="en-US" altLang="zh-CN" sz="1600" b="1" dirty="0" smtClean="0"/>
+                <a:t>T1</a:t>
+              </a:r>
+              <a:endParaRPr lang="zh-CN" altLang="en-US" sz="1600" b="1" dirty="0"/>
+            </a:p>
+          </p:txBody>
+        </p:sp>
+        <p:sp>
+          <p:nvSpPr>
+            <p:cNvPr id="99" name="文本框 98"/>
+            <p:cNvSpPr txBox="1"/>
+            <p:nvPr/>
+          </p:nvSpPr>
+          <p:spPr>
+            <a:xfrm>
+              <a:off x="2539678" y="4072269"/>
+              <a:ext cx="497711" cy="338554"/>
+            </a:xfrm>
+            <a:prstGeom prst="rect">
+              <a:avLst/>
+            </a:prstGeom>
+            <a:noFill/>
+          </p:spPr>
+          <p:txBody>
+            <a:bodyPr wrap="square" rtlCol="0">
+              <a:spAutoFit/>
+            </a:bodyPr>
+            <a:lstStyle/>
+            <a:p>
+              <a:r>
+                <a:rPr lang="en-US" altLang="zh-CN" sz="1600" b="1" dirty="0" smtClean="0"/>
+                <a:t>T2</a:t>
+              </a:r>
+              <a:endParaRPr lang="zh-CN" altLang="en-US" sz="1600" b="1" dirty="0"/>
+            </a:p>
+          </p:txBody>
+        </p:sp>
+        <p:sp>
+          <p:nvSpPr>
+            <p:cNvPr id="100" name="文本框 99"/>
+            <p:cNvSpPr txBox="1"/>
+            <p:nvPr/>
+          </p:nvSpPr>
+          <p:spPr>
+            <a:xfrm>
+              <a:off x="4017380" y="4071400"/>
+              <a:ext cx="497711" cy="338554"/>
+            </a:xfrm>
+            <a:prstGeom prst="rect">
+              <a:avLst/>
+            </a:prstGeom>
+            <a:noFill/>
+          </p:spPr>
+          <p:txBody>
+            <a:bodyPr wrap="square" rtlCol="0">
+              <a:spAutoFit/>
+            </a:bodyPr>
+            <a:lstStyle/>
+            <a:p>
+              <a:r>
+                <a:rPr lang="en-US" altLang="zh-CN" sz="1600" b="1" dirty="0" smtClean="0"/>
+                <a:t>T3</a:t>
+              </a:r>
+              <a:endParaRPr lang="zh-CN" altLang="en-US" sz="1600" b="1" dirty="0"/>
+            </a:p>
+          </p:txBody>
+        </p:sp>
+        <p:sp>
+          <p:nvSpPr>
+            <p:cNvPr id="101" name="文本框 100"/>
+            <p:cNvSpPr txBox="1"/>
+            <p:nvPr/>
+          </p:nvSpPr>
+          <p:spPr>
+            <a:xfrm>
+              <a:off x="7153155" y="4002911"/>
+              <a:ext cx="497711" cy="338554"/>
+            </a:xfrm>
+            <a:prstGeom prst="rect">
+              <a:avLst/>
+            </a:prstGeom>
+            <a:noFill/>
+          </p:spPr>
+          <p:txBody>
+            <a:bodyPr wrap="square" rtlCol="0">
+              <a:spAutoFit/>
+            </a:bodyPr>
+            <a:lstStyle/>
+            <a:p>
+              <a:r>
+                <a:rPr lang="en-US" altLang="zh-CN" sz="1600" b="1" dirty="0" err="1" smtClean="0"/>
+                <a:t>Ti</a:t>
+              </a:r>
+              <a:endParaRPr lang="zh-CN" altLang="en-US" sz="1600" b="1" dirty="0"/>
+            </a:p>
+          </p:txBody>
+        </p:sp>
+        <p:sp>
+          <p:nvSpPr>
+            <p:cNvPr id="102" name="文本框 101"/>
+            <p:cNvSpPr txBox="1"/>
+            <p:nvPr/>
+          </p:nvSpPr>
+          <p:spPr>
+            <a:xfrm>
+              <a:off x="8103244" y="4002911"/>
+              <a:ext cx="705090" cy="338554"/>
+            </a:xfrm>
+            <a:prstGeom prst="rect">
+              <a:avLst/>
+            </a:prstGeom>
+            <a:noFill/>
+          </p:spPr>
+          <p:txBody>
+            <a:bodyPr wrap="square" rtlCol="0">
+              <a:spAutoFit/>
+            </a:bodyPr>
+            <a:lstStyle/>
+            <a:p>
+              <a:r>
+                <a:rPr lang="en-US" altLang="zh-CN" sz="1600" b="1" dirty="0" smtClean="0"/>
+                <a:t>Tn-1</a:t>
+              </a:r>
+              <a:endParaRPr lang="zh-CN" altLang="en-US" sz="1600" b="1" dirty="0"/>
+            </a:p>
+          </p:txBody>
+        </p:sp>
+        <p:sp>
+          <p:nvSpPr>
+            <p:cNvPr id="103" name="文本框 102"/>
+            <p:cNvSpPr txBox="1"/>
+            <p:nvPr/>
+          </p:nvSpPr>
+          <p:spPr>
+            <a:xfrm>
+              <a:off x="9819193" y="4071400"/>
+              <a:ext cx="497711" cy="338554"/>
+            </a:xfrm>
+            <a:prstGeom prst="rect">
+              <a:avLst/>
+            </a:prstGeom>
+            <a:noFill/>
+          </p:spPr>
+          <p:txBody>
+            <a:bodyPr wrap="square" rtlCol="0">
+              <a:spAutoFit/>
+            </a:bodyPr>
+            <a:lstStyle/>
+            <a:p>
+              <a:r>
+                <a:rPr lang="en-US" altLang="zh-CN" sz="1600" b="1" dirty="0" err="1" smtClean="0"/>
+                <a:t>Tn</a:t>
+              </a:r>
+              <a:endParaRPr lang="zh-CN" altLang="en-US" sz="1600" b="1" dirty="0"/>
+            </a:p>
+          </p:txBody>
+        </p:sp>
+      </p:grpSp>
+    </p:spTree>
+    <p:extLst>
+      <p:ext uri="{BB962C8B-B14F-4D97-AF65-F5344CB8AC3E}">
+        <p14:creationId xmlns:p14="http://schemas.microsoft.com/office/powerpoint/2010/main" val="3241349211"/>
+      </p:ext>
+    </p:extLst>
+  </p:cSld>
+  <p:clrMapOvr>
+    <a:masterClrMapping/>
+  </p:clrMapOvr>
+</p:sld>
+</file>
+
+<file path=ppt/slides/slide15.xml><?xml version="1.0" encoding="utf-8"?>
+<p:sld xmlns:a="http://schemas.openxmlformats.org/drawingml/2006/main" xmlns:r="http://schemas.openxmlformats.org/officeDocument/2006/relationships" xmlns:p="http://schemas.openxmlformats.org/presentationml/2006/main">
+  <p:cSld>
+    <p:spTree>
+      <p:nvGrpSpPr>
+        <p:cNvPr id="1" name=""/>
+        <p:cNvGrpSpPr/>
+        <p:nvPr/>
+      </p:nvGrpSpPr>
+      <p:grpSpPr>
+        <a:xfrm>
+          <a:off x="0" y="0"/>
+          <a:ext cx="0" cy="0"/>
+          <a:chOff x="0" y="0"/>
+          <a:chExt cx="0" cy="0"/>
+        </a:xfrm>
+      </p:grpSpPr>
+      <p:grpSp>
+        <p:nvGrpSpPr>
+          <p:cNvPr id="35" name="组合 34"/>
+          <p:cNvGrpSpPr/>
+          <p:nvPr/>
+        </p:nvGrpSpPr>
+        <p:grpSpPr>
+          <a:xfrm>
+            <a:off x="1433146" y="436699"/>
+            <a:ext cx="10169774" cy="4385276"/>
+            <a:chOff x="1433146" y="436699"/>
+            <a:chExt cx="10169774" cy="4385276"/>
+          </a:xfrm>
+        </p:grpSpPr>
+        <p:sp>
+          <p:nvSpPr>
+            <p:cNvPr id="5" name="椭圆 4"/>
+            <p:cNvSpPr/>
+            <p:nvPr/>
+          </p:nvSpPr>
+          <p:spPr>
+            <a:xfrm>
+              <a:off x="1433146" y="1415561"/>
+              <a:ext cx="2233246" cy="2233246"/>
+            </a:xfrm>
+            <a:prstGeom prst="ellipse">
+              <a:avLst/>
+            </a:prstGeom>
+            <a:ln>
+              <a:prstDash val="lgDash"/>
+            </a:ln>
+          </p:spPr>
+          <p:style>
+            <a:lnRef idx="2">
+              <a:schemeClr val="accent1"/>
+            </a:lnRef>
+            <a:fillRef idx="1">
+              <a:schemeClr val="lt1"/>
+            </a:fillRef>
+            <a:effectRef idx="0">
+              <a:schemeClr val="accent1"/>
+            </a:effectRef>
+            <a:fontRef idx="minor">
+              <a:schemeClr val="dk1"/>
+            </a:fontRef>
+          </p:style>
+          <p:txBody>
+            <a:bodyPr rtlCol="0" anchor="ctr"/>
+            <a:lstStyle/>
+            <a:p>
+              <a:pPr algn="ctr"/>
+              <a:endParaRPr lang="zh-CN" altLang="en-US"/>
+            </a:p>
+          </p:txBody>
+        </p:sp>
+        <p:pic>
+          <p:nvPicPr>
+            <p:cNvPr id="6" name="图片 5"/>
+            <p:cNvPicPr>
+              <a:picLocks noChangeAspect="1"/>
+            </p:cNvPicPr>
+            <p:nvPr/>
+          </p:nvPicPr>
+          <p:blipFill>
+            <a:blip r:embed="rId2"/>
+            <a:stretch>
+              <a:fillRect/>
+            </a:stretch>
+          </p:blipFill>
+          <p:spPr>
+            <a:xfrm>
+              <a:off x="2335897" y="2318207"/>
+              <a:ext cx="427743" cy="427954"/>
+            </a:xfrm>
+            <a:prstGeom prst="rect">
+              <a:avLst/>
+            </a:prstGeom>
+          </p:spPr>
+        </p:pic>
+        <p:sp>
+          <p:nvSpPr>
+            <p:cNvPr id="9" name="文本框 8"/>
+            <p:cNvSpPr txBox="1"/>
+            <p:nvPr/>
+          </p:nvSpPr>
+          <p:spPr>
+            <a:xfrm>
+              <a:off x="2763640" y="2362168"/>
+              <a:ext cx="665360" cy="307777"/>
+            </a:xfrm>
+            <a:prstGeom prst="rect">
+              <a:avLst/>
+            </a:prstGeom>
+            <a:noFill/>
+          </p:spPr>
+          <p:txBody>
+            <a:bodyPr wrap="square" rtlCol="0">
+              <a:spAutoFit/>
+            </a:bodyPr>
+            <a:lstStyle/>
+            <a:p>
+              <a:r>
+                <a:rPr lang="zh-CN" altLang="en-US" sz="1400" dirty="0" smtClean="0"/>
+                <a:t>寝室</a:t>
+              </a:r>
+              <a:endParaRPr lang="zh-CN" altLang="en-US" sz="1400" dirty="0"/>
+            </a:p>
+          </p:txBody>
+        </p:sp>
+        <p:pic>
+          <p:nvPicPr>
+            <p:cNvPr id="10" name="图片 9"/>
+            <p:cNvPicPr>
+              <a:picLocks noChangeAspect="1"/>
+            </p:cNvPicPr>
+            <p:nvPr/>
+          </p:nvPicPr>
+          <p:blipFill>
+            <a:blip r:embed="rId3"/>
+            <a:stretch>
+              <a:fillRect/>
+            </a:stretch>
+          </p:blipFill>
+          <p:spPr>
+            <a:xfrm>
+              <a:off x="2442833" y="3113864"/>
+              <a:ext cx="213872" cy="213977"/>
+            </a:xfrm>
+            <a:prstGeom prst="rect">
+              <a:avLst/>
+            </a:prstGeom>
+          </p:spPr>
+        </p:pic>
+        <p:pic>
+          <p:nvPicPr>
+            <p:cNvPr id="11" name="图片 10"/>
+            <p:cNvPicPr>
+              <a:picLocks noChangeAspect="1"/>
+            </p:cNvPicPr>
+            <p:nvPr/>
+          </p:nvPicPr>
+          <p:blipFill>
+            <a:blip r:embed="rId4"/>
+            <a:stretch>
+              <a:fillRect/>
+            </a:stretch>
+          </p:blipFill>
+          <p:spPr>
+            <a:xfrm>
+              <a:off x="1973050" y="4355272"/>
+              <a:ext cx="1153435" cy="392361"/>
+            </a:xfrm>
+            <a:prstGeom prst="rect">
+              <a:avLst/>
+            </a:prstGeom>
+          </p:spPr>
+        </p:pic>
+        <p:sp>
+          <p:nvSpPr>
+            <p:cNvPr id="12" name="椭圆 11"/>
+            <p:cNvSpPr/>
+            <p:nvPr/>
+          </p:nvSpPr>
+          <p:spPr>
+            <a:xfrm>
+              <a:off x="4416669" y="436699"/>
+              <a:ext cx="2233246" cy="2233246"/>
+            </a:xfrm>
+            <a:prstGeom prst="ellipse">
+              <a:avLst/>
+            </a:prstGeom>
+            <a:noFill/>
+            <a:ln>
+              <a:prstDash val="lgDash"/>
+            </a:ln>
+          </p:spPr>
+          <p:style>
+            <a:lnRef idx="2">
+              <a:schemeClr val="accent1"/>
+            </a:lnRef>
+            <a:fillRef idx="1">
+              <a:schemeClr val="lt1"/>
+            </a:fillRef>
+            <a:effectRef idx="0">
+              <a:schemeClr val="accent1"/>
+            </a:effectRef>
+            <a:fontRef idx="minor">
+              <a:schemeClr val="dk1"/>
+            </a:fontRef>
+          </p:style>
+          <p:txBody>
+            <a:bodyPr rtlCol="0" anchor="ctr"/>
+            <a:lstStyle/>
+            <a:p>
+              <a:pPr algn="ctr"/>
+              <a:endParaRPr lang="zh-CN" altLang="en-US"/>
+            </a:p>
+          </p:txBody>
+        </p:sp>
+        <p:sp>
+          <p:nvSpPr>
+            <p:cNvPr id="13" name="椭圆 12"/>
+            <p:cNvSpPr/>
+            <p:nvPr/>
+          </p:nvSpPr>
+          <p:spPr>
+            <a:xfrm>
+              <a:off x="5295899" y="1818433"/>
+              <a:ext cx="2233246" cy="2233246"/>
+            </a:xfrm>
+            <a:prstGeom prst="ellipse">
+              <a:avLst/>
+            </a:prstGeom>
+            <a:noFill/>
+            <a:ln>
+              <a:prstDash val="lgDash"/>
+            </a:ln>
+          </p:spPr>
+          <p:style>
+            <a:lnRef idx="2">
+              <a:schemeClr val="accent1"/>
+            </a:lnRef>
+            <a:fillRef idx="1">
+              <a:schemeClr val="lt1"/>
+            </a:fillRef>
+            <a:effectRef idx="0">
+              <a:schemeClr val="accent1"/>
+            </a:effectRef>
+            <a:fontRef idx="minor">
+              <a:schemeClr val="dk1"/>
+            </a:fontRef>
+          </p:style>
+          <p:txBody>
+            <a:bodyPr rtlCol="0" anchor="ctr"/>
+            <a:lstStyle/>
+            <a:p>
+              <a:pPr algn="ctr"/>
+              <a:endParaRPr lang="zh-CN" altLang="en-US"/>
+            </a:p>
+          </p:txBody>
+        </p:sp>
+        <p:pic>
+          <p:nvPicPr>
+            <p:cNvPr id="14" name="图片 13"/>
+            <p:cNvPicPr>
+              <a:picLocks noChangeAspect="1"/>
+            </p:cNvPicPr>
+            <p:nvPr/>
+          </p:nvPicPr>
+          <p:blipFill>
+            <a:blip r:embed="rId5"/>
+            <a:stretch>
+              <a:fillRect/>
+            </a:stretch>
+          </p:blipFill>
+          <p:spPr>
+            <a:xfrm>
+              <a:off x="5042756" y="720969"/>
+              <a:ext cx="506285" cy="506534"/>
+            </a:xfrm>
+            <a:prstGeom prst="rect">
+              <a:avLst/>
+            </a:prstGeom>
+          </p:spPr>
+        </p:pic>
+        <p:pic>
+          <p:nvPicPr>
+            <p:cNvPr id="15" name="图片 14"/>
+            <p:cNvPicPr>
+              <a:picLocks noChangeAspect="1"/>
+            </p:cNvPicPr>
+            <p:nvPr/>
+          </p:nvPicPr>
+          <p:blipFill>
+            <a:blip r:embed="rId6"/>
+            <a:stretch>
+              <a:fillRect/>
+            </a:stretch>
+          </p:blipFill>
+          <p:spPr>
+            <a:xfrm>
+              <a:off x="6312075" y="2746161"/>
+              <a:ext cx="475587" cy="475821"/>
+            </a:xfrm>
+            <a:prstGeom prst="rect">
+              <a:avLst/>
+            </a:prstGeom>
+          </p:spPr>
+        </p:pic>
+        <p:pic>
+          <p:nvPicPr>
+            <p:cNvPr id="16" name="图片 15"/>
+            <p:cNvPicPr>
+              <a:picLocks noChangeAspect="1"/>
+            </p:cNvPicPr>
+            <p:nvPr/>
+          </p:nvPicPr>
+          <p:blipFill>
+            <a:blip r:embed="rId3"/>
+            <a:stretch>
+              <a:fillRect/>
+            </a:stretch>
+          </p:blipFill>
+          <p:spPr>
+            <a:xfrm>
+              <a:off x="5942741" y="2211218"/>
+              <a:ext cx="213872" cy="213977"/>
+            </a:xfrm>
+            <a:prstGeom prst="rect">
+              <a:avLst/>
+            </a:prstGeom>
+          </p:spPr>
+        </p:pic>
+        <p:cxnSp>
+          <p:nvCxnSpPr>
+            <p:cNvPr id="18" name="直接箭头连接符 17"/>
+            <p:cNvCxnSpPr>
+              <a:stCxn id="5" idx="0"/>
+              <a:endCxn id="6" idx="0"/>
+            </p:cNvCxnSpPr>
+            <p:nvPr/>
+          </p:nvCxnSpPr>
+          <p:spPr>
+            <a:xfrm>
+              <a:off x="2549769" y="1415561"/>
+              <a:ext cx="0" cy="902646"/>
+            </a:xfrm>
+            <a:prstGeom prst="straightConnector1">
+              <a:avLst/>
+            </a:prstGeom>
+            <a:ln>
+              <a:headEnd type="triangle"/>
+              <a:tailEnd type="triangle"/>
+            </a:ln>
+          </p:spPr>
+          <p:style>
+            <a:lnRef idx="2">
+              <a:schemeClr val="dk1"/>
+            </a:lnRef>
+            <a:fillRef idx="0">
+              <a:schemeClr val="dk1"/>
+            </a:fillRef>
+            <a:effectRef idx="1">
+              <a:schemeClr val="dk1"/>
+            </a:effectRef>
+            <a:fontRef idx="minor">
+              <a:schemeClr val="tx1"/>
+            </a:fontRef>
+          </p:style>
+        </p:cxnSp>
+        <p:cxnSp>
+          <p:nvCxnSpPr>
+            <p:cNvPr id="19" name="直接箭头连接符 18"/>
+            <p:cNvCxnSpPr>
+              <a:stCxn id="14" idx="2"/>
+              <a:endCxn id="16" idx="0"/>
+            </p:cNvCxnSpPr>
+            <p:nvPr/>
+          </p:nvCxnSpPr>
+          <p:spPr>
+            <a:xfrm>
+              <a:off x="5295899" y="1227503"/>
+              <a:ext cx="753778" cy="983715"/>
+            </a:xfrm>
+            <a:prstGeom prst="straightConnector1">
+              <a:avLst/>
+            </a:prstGeom>
+            <a:ln>
+              <a:headEnd type="triangle"/>
+              <a:tailEnd type="triangle"/>
+            </a:ln>
+          </p:spPr>
+          <p:style>
+            <a:lnRef idx="2">
+              <a:schemeClr val="dk1"/>
+            </a:lnRef>
+            <a:fillRef idx="0">
+              <a:schemeClr val="dk1"/>
+            </a:fillRef>
+            <a:effectRef idx="1">
+              <a:schemeClr val="dk1"/>
+            </a:effectRef>
+            <a:fontRef idx="minor">
+              <a:schemeClr val="tx1"/>
+            </a:fontRef>
+          </p:style>
+        </p:cxnSp>
+        <p:cxnSp>
+          <p:nvCxnSpPr>
+            <p:cNvPr id="22" name="直接箭头连接符 21"/>
+            <p:cNvCxnSpPr>
+              <a:stCxn id="16" idx="2"/>
+              <a:endCxn id="15" idx="1"/>
+            </p:cNvCxnSpPr>
+            <p:nvPr/>
+          </p:nvCxnSpPr>
+          <p:spPr>
+            <a:xfrm>
+              <a:off x="6049677" y="2425195"/>
+              <a:ext cx="262398" cy="558877"/>
+            </a:xfrm>
+            <a:prstGeom prst="straightConnector1">
+              <a:avLst/>
+            </a:prstGeom>
+            <a:ln>
+              <a:headEnd type="triangle"/>
+              <a:tailEnd type="triangle"/>
+            </a:ln>
+          </p:spPr>
+          <p:style>
+            <a:lnRef idx="2">
+              <a:schemeClr val="dk1"/>
+            </a:lnRef>
+            <a:fillRef idx="0">
+              <a:schemeClr val="dk1"/>
+            </a:fillRef>
+            <a:effectRef idx="1">
+              <a:schemeClr val="dk1"/>
+            </a:effectRef>
+            <a:fontRef idx="minor">
+              <a:schemeClr val="tx1"/>
+            </a:fontRef>
+          </p:style>
+        </p:cxnSp>
+        <p:pic>
+          <p:nvPicPr>
+            <p:cNvPr id="26" name="图片 25"/>
+            <p:cNvPicPr>
+              <a:picLocks noChangeAspect="1"/>
+            </p:cNvPicPr>
+            <p:nvPr/>
+          </p:nvPicPr>
+          <p:blipFill>
+            <a:blip r:embed="rId7"/>
+            <a:stretch>
+              <a:fillRect/>
+            </a:stretch>
+          </p:blipFill>
+          <p:spPr>
+            <a:xfrm>
+              <a:off x="5525592" y="1069962"/>
+              <a:ext cx="1041605" cy="326320"/>
+            </a:xfrm>
+            <a:prstGeom prst="rect">
+              <a:avLst/>
+            </a:prstGeom>
+          </p:spPr>
+        </p:pic>
+        <p:pic>
+          <p:nvPicPr>
+            <p:cNvPr id="27" name="图片 26"/>
+            <p:cNvPicPr>
+              <a:picLocks noChangeAspect="1"/>
+            </p:cNvPicPr>
+            <p:nvPr/>
+          </p:nvPicPr>
+          <p:blipFill>
+            <a:blip r:embed="rId8"/>
+            <a:stretch>
+              <a:fillRect/>
+            </a:stretch>
+          </p:blipFill>
+          <p:spPr>
+            <a:xfrm>
+              <a:off x="6729401" y="2866292"/>
+              <a:ext cx="734541" cy="340029"/>
+            </a:xfrm>
+            <a:prstGeom prst="rect">
+              <a:avLst/>
+            </a:prstGeom>
+          </p:spPr>
+        </p:pic>
+        <p:pic>
+          <p:nvPicPr>
+            <p:cNvPr id="28" name="图片 27"/>
+            <p:cNvPicPr>
+              <a:picLocks noChangeAspect="1"/>
+            </p:cNvPicPr>
+            <p:nvPr/>
+          </p:nvPicPr>
+          <p:blipFill>
+            <a:blip r:embed="rId9"/>
+            <a:stretch>
+              <a:fillRect/>
+            </a:stretch>
+          </p:blipFill>
+          <p:spPr>
+            <a:xfrm>
+              <a:off x="5428991" y="4444464"/>
+              <a:ext cx="1120877" cy="377511"/>
+            </a:xfrm>
+            <a:prstGeom prst="rect">
+              <a:avLst/>
+            </a:prstGeom>
+          </p:spPr>
+        </p:pic>
+        <p:sp>
+          <p:nvSpPr>
+            <p:cNvPr id="29" name="椭圆 28"/>
+            <p:cNvSpPr/>
+            <p:nvPr/>
+          </p:nvSpPr>
+          <p:spPr>
+            <a:xfrm>
+              <a:off x="8760071" y="1218711"/>
+              <a:ext cx="2233246" cy="2233246"/>
+            </a:xfrm>
+            <a:prstGeom prst="ellipse">
+              <a:avLst/>
+            </a:prstGeom>
+            <a:ln>
+              <a:prstDash val="lgDash"/>
+            </a:ln>
+          </p:spPr>
+          <p:style>
+            <a:lnRef idx="2">
+              <a:schemeClr val="accent1"/>
+            </a:lnRef>
+            <a:fillRef idx="1">
+              <a:schemeClr val="lt1"/>
+            </a:fillRef>
+            <a:effectRef idx="0">
+              <a:schemeClr val="accent1"/>
+            </a:effectRef>
+            <a:fontRef idx="minor">
+              <a:schemeClr val="dk1"/>
+            </a:fontRef>
+          </p:style>
+          <p:txBody>
+            <a:bodyPr rtlCol="0" anchor="ctr"/>
+            <a:lstStyle/>
+            <a:p>
+              <a:pPr algn="ctr"/>
+              <a:endParaRPr lang="zh-CN" altLang="en-US"/>
+            </a:p>
+          </p:txBody>
+        </p:sp>
+        <p:pic>
+          <p:nvPicPr>
+            <p:cNvPr id="30" name="图片 29"/>
+            <p:cNvPicPr>
+              <a:picLocks noChangeAspect="1"/>
+            </p:cNvPicPr>
+            <p:nvPr/>
+          </p:nvPicPr>
+          <p:blipFill>
+            <a:blip r:embed="rId10"/>
+            <a:stretch>
+              <a:fillRect/>
+            </a:stretch>
+          </p:blipFill>
+          <p:spPr>
+            <a:xfrm>
+              <a:off x="8760071" y="946010"/>
+              <a:ext cx="2842849" cy="1197040"/>
+            </a:xfrm>
+            <a:prstGeom prst="rect">
+              <a:avLst/>
+            </a:prstGeom>
+          </p:spPr>
+        </p:pic>
+        <p:pic>
+          <p:nvPicPr>
+            <p:cNvPr id="31" name="图片 30"/>
+            <p:cNvPicPr>
+              <a:picLocks noChangeAspect="1"/>
+            </p:cNvPicPr>
+            <p:nvPr/>
+          </p:nvPicPr>
+          <p:blipFill>
+            <a:blip r:embed="rId11"/>
+            <a:stretch>
+              <a:fillRect/>
+            </a:stretch>
+          </p:blipFill>
+          <p:spPr>
+            <a:xfrm>
+              <a:off x="9198269" y="1842530"/>
+              <a:ext cx="1545531" cy="1132749"/>
+            </a:xfrm>
+            <a:prstGeom prst="rect">
+              <a:avLst/>
+            </a:prstGeom>
+          </p:spPr>
+        </p:pic>
+        <p:pic>
+          <p:nvPicPr>
+            <p:cNvPr id="32" name="图片 31"/>
+            <p:cNvPicPr>
+              <a:picLocks noChangeAspect="1"/>
+            </p:cNvPicPr>
+            <p:nvPr/>
+          </p:nvPicPr>
+          <p:blipFill>
+            <a:blip r:embed="rId3"/>
+            <a:stretch>
+              <a:fillRect/>
+            </a:stretch>
+          </p:blipFill>
+          <p:spPr>
+            <a:xfrm>
+              <a:off x="10529928" y="2353376"/>
+              <a:ext cx="213872" cy="213977"/>
+            </a:xfrm>
+            <a:prstGeom prst="rect">
+              <a:avLst/>
+            </a:prstGeom>
+          </p:spPr>
+        </p:pic>
+        <p:pic>
+          <p:nvPicPr>
+            <p:cNvPr id="33" name="图片 32"/>
+            <p:cNvPicPr>
+              <a:picLocks noChangeAspect="1"/>
+            </p:cNvPicPr>
+            <p:nvPr/>
+          </p:nvPicPr>
+          <p:blipFill>
+            <a:blip r:embed="rId12"/>
+            <a:stretch>
+              <a:fillRect/>
+            </a:stretch>
+          </p:blipFill>
+          <p:spPr>
+            <a:xfrm>
+              <a:off x="9204073" y="2731538"/>
+              <a:ext cx="870456" cy="545615"/>
+            </a:xfrm>
+            <a:prstGeom prst="rect">
+              <a:avLst/>
+            </a:prstGeom>
+          </p:spPr>
+        </p:pic>
+        <p:pic>
+          <p:nvPicPr>
+            <p:cNvPr id="34" name="图片 33"/>
+            <p:cNvPicPr>
+              <a:picLocks noChangeAspect="1"/>
+            </p:cNvPicPr>
+            <p:nvPr/>
+          </p:nvPicPr>
+          <p:blipFill>
+            <a:blip r:embed="rId13"/>
+            <a:stretch>
+              <a:fillRect/>
+            </a:stretch>
+          </p:blipFill>
+          <p:spPr>
+            <a:xfrm>
+              <a:off x="9373970" y="4380130"/>
+              <a:ext cx="1005447" cy="345475"/>
+            </a:xfrm>
+            <a:prstGeom prst="rect">
+              <a:avLst/>
+            </a:prstGeom>
+          </p:spPr>
+        </p:pic>
+      </p:grpSp>
+    </p:spTree>
+    <p:extLst>
+      <p:ext uri="{BB962C8B-B14F-4D97-AF65-F5344CB8AC3E}">
+        <p14:creationId xmlns:p14="http://schemas.microsoft.com/office/powerpoint/2010/main" val="3643328869"/>
       </p:ext>
     </p:extLst>
   </p:cSld>
@@ -19899,7 +22757,7 @@
           <a:graphicData uri="http://schemas.openxmlformats.org/presentationml/2006/ole">
             <mc:AlternateContent xmlns:mc="http://schemas.openxmlformats.org/markup-compatibility/2006">
               <mc:Choice xmlns:v="urn:schemas-microsoft-com:vml" Requires="v">
-                <p:oleObj spid="_x0000_s1032" name="Visio" r:id="rId3" imgW="6476977" imgH="6229440" progId="Visio.Drawing.11">
+                <p:oleObj spid="_x0000_s1037" name="Visio" r:id="rId3" imgW="6476977" imgH="6229440" progId="Visio.Drawing.11">
                   <p:embed/>
                 </p:oleObj>
               </mc:Choice>
